--- a/docs/02.개발/01.설계/02.기능설계/서비스구성도_V0.1.pptx
+++ b/docs/02.개발/01.설계/02.기능설계/서비스구성도_V0.1.pptx
@@ -8,6 +8,7 @@
     <p:sldId id="256" r:id="rId2"/>
     <p:sldId id="258" r:id="rId3"/>
     <p:sldId id="257" r:id="rId4"/>
+    <p:sldId id="259" r:id="rId5"/>
   </p:sldIdLst>
   <p:sldSz cx="12192000" cy="6858000"/>
   <p:notesSz cx="6858000" cy="9144000"/>
@@ -245,7 +246,7 @@
           <a:p>
             <a:fld id="{DC541C54-561B-46C3-B983-AE93FA744B9F}" type="datetimeFigureOut">
               <a:rPr lang="ko-KR" altLang="en-US" smtClean="0"/>
-              <a:t>2024-11-26</a:t>
+              <a:t>2024-12-04</a:t>
             </a:fld>
             <a:endParaRPr lang="ko-KR" altLang="en-US"/>
           </a:p>
@@ -415,7 +416,7 @@
           <a:p>
             <a:fld id="{DC541C54-561B-46C3-B983-AE93FA744B9F}" type="datetimeFigureOut">
               <a:rPr lang="ko-KR" altLang="en-US" smtClean="0"/>
-              <a:t>2024-11-26</a:t>
+              <a:t>2024-12-04</a:t>
             </a:fld>
             <a:endParaRPr lang="ko-KR" altLang="en-US"/>
           </a:p>
@@ -595,7 +596,7 @@
           <a:p>
             <a:fld id="{DC541C54-561B-46C3-B983-AE93FA744B9F}" type="datetimeFigureOut">
               <a:rPr lang="ko-KR" altLang="en-US" smtClean="0"/>
-              <a:t>2024-11-26</a:t>
+              <a:t>2024-12-04</a:t>
             </a:fld>
             <a:endParaRPr lang="ko-KR" altLang="en-US"/>
           </a:p>
@@ -765,7 +766,7 @@
           <a:p>
             <a:fld id="{DC541C54-561B-46C3-B983-AE93FA744B9F}" type="datetimeFigureOut">
               <a:rPr lang="ko-KR" altLang="en-US" smtClean="0"/>
-              <a:t>2024-11-26</a:t>
+              <a:t>2024-12-04</a:t>
             </a:fld>
             <a:endParaRPr lang="ko-KR" altLang="en-US"/>
           </a:p>
@@ -1011,7 +1012,7 @@
           <a:p>
             <a:fld id="{DC541C54-561B-46C3-B983-AE93FA744B9F}" type="datetimeFigureOut">
               <a:rPr lang="ko-KR" altLang="en-US" smtClean="0"/>
-              <a:t>2024-11-26</a:t>
+              <a:t>2024-12-04</a:t>
             </a:fld>
             <a:endParaRPr lang="ko-KR" altLang="en-US"/>
           </a:p>
@@ -1243,7 +1244,7 @@
           <a:p>
             <a:fld id="{DC541C54-561B-46C3-B983-AE93FA744B9F}" type="datetimeFigureOut">
               <a:rPr lang="ko-KR" altLang="en-US" smtClean="0"/>
-              <a:t>2024-11-26</a:t>
+              <a:t>2024-12-04</a:t>
             </a:fld>
             <a:endParaRPr lang="ko-KR" altLang="en-US"/>
           </a:p>
@@ -1610,7 +1611,7 @@
           <a:p>
             <a:fld id="{DC541C54-561B-46C3-B983-AE93FA744B9F}" type="datetimeFigureOut">
               <a:rPr lang="ko-KR" altLang="en-US" smtClean="0"/>
-              <a:t>2024-11-26</a:t>
+              <a:t>2024-12-04</a:t>
             </a:fld>
             <a:endParaRPr lang="ko-KR" altLang="en-US"/>
           </a:p>
@@ -1728,7 +1729,7 @@
           <a:p>
             <a:fld id="{DC541C54-561B-46C3-B983-AE93FA744B9F}" type="datetimeFigureOut">
               <a:rPr lang="ko-KR" altLang="en-US" smtClean="0"/>
-              <a:t>2024-11-26</a:t>
+              <a:t>2024-12-04</a:t>
             </a:fld>
             <a:endParaRPr lang="ko-KR" altLang="en-US"/>
           </a:p>
@@ -1823,7 +1824,7 @@
           <a:p>
             <a:fld id="{DC541C54-561B-46C3-B983-AE93FA744B9F}" type="datetimeFigureOut">
               <a:rPr lang="ko-KR" altLang="en-US" smtClean="0"/>
-              <a:t>2024-11-26</a:t>
+              <a:t>2024-12-04</a:t>
             </a:fld>
             <a:endParaRPr lang="ko-KR" altLang="en-US"/>
           </a:p>
@@ -2100,7 +2101,7 @@
           <a:p>
             <a:fld id="{DC541C54-561B-46C3-B983-AE93FA744B9F}" type="datetimeFigureOut">
               <a:rPr lang="ko-KR" altLang="en-US" smtClean="0"/>
-              <a:t>2024-11-26</a:t>
+              <a:t>2024-12-04</a:t>
             </a:fld>
             <a:endParaRPr lang="ko-KR" altLang="en-US"/>
           </a:p>
@@ -2353,7 +2354,7 @@
           <a:p>
             <a:fld id="{DC541C54-561B-46C3-B983-AE93FA744B9F}" type="datetimeFigureOut">
               <a:rPr lang="ko-KR" altLang="en-US" smtClean="0"/>
-              <a:t>2024-11-26</a:t>
+              <a:t>2024-12-04</a:t>
             </a:fld>
             <a:endParaRPr lang="ko-KR" altLang="en-US"/>
           </a:p>
@@ -2566,7 +2567,7 @@
           <a:p>
             <a:fld id="{DC541C54-561B-46C3-B983-AE93FA744B9F}" type="datetimeFigureOut">
               <a:rPr lang="ko-KR" altLang="en-US" smtClean="0"/>
-              <a:t>2024-11-26</a:t>
+              <a:t>2024-12-04</a:t>
             </a:fld>
             <a:endParaRPr lang="ko-KR" altLang="en-US"/>
           </a:p>
@@ -3023,15 +3024,7 @@
                   <a:schemeClr val="tx1"/>
                 </a:solidFill>
               </a:rPr>
-              <a:t>미션 </a:t>
-            </a:r>
-            <a:r>
-              <a:rPr lang="ko-KR" altLang="en-US" sz="1500" dirty="0" smtClean="0">
-                <a:solidFill>
-                  <a:schemeClr val="tx1"/>
-                </a:solidFill>
-              </a:rPr>
-              <a:t>센터</a:t>
+              <a:t>미션 센터</a:t>
             </a:r>
             <a:r>
               <a:rPr lang="en-US" altLang="ko-KR" sz="1500" dirty="0" smtClean="0">
@@ -3118,7 +3111,7 @@
         </p:nvSpPr>
         <p:spPr>
           <a:xfrm>
-            <a:off x="2087316" y="696490"/>
+            <a:off x="2087317" y="696192"/>
             <a:ext cx="2673747" cy="1558635"/>
           </a:xfrm>
           <a:prstGeom prst="roundRect">
@@ -3281,9 +3274,9 @@
           <p:nvPr/>
         </p:nvCxnSpPr>
         <p:spPr>
-          <a:xfrm rot="10800000" flipV="1">
+          <a:xfrm rot="10800000">
             <a:off x="4761064" y="1475510"/>
-            <a:ext cx="1229473" cy="298"/>
+            <a:ext cx="1229472" cy="12700"/>
           </a:xfrm>
           <a:prstGeom prst="bentConnector3">
             <a:avLst/>
@@ -3506,8 +3499,8 @@
         </p:nvCxnSpPr>
         <p:spPr>
           <a:xfrm rot="16200000" flipH="1">
-            <a:off x="3301108" y="2378207"/>
-            <a:ext cx="826338" cy="580174"/>
+            <a:off x="3300959" y="2378058"/>
+            <a:ext cx="826636" cy="580173"/>
           </a:xfrm>
           <a:prstGeom prst="bentConnector3">
             <a:avLst>
@@ -3738,8 +3731,8 @@
         </p:nvCxnSpPr>
         <p:spPr>
           <a:xfrm rot="10800000" flipV="1">
-            <a:off x="1335918" y="1475808"/>
-            <a:ext cx="751399" cy="1596436"/>
+            <a:off x="1335917" y="1475510"/>
+            <a:ext cx="751400" cy="1596734"/>
           </a:xfrm>
           <a:prstGeom prst="bentConnector2">
             <a:avLst/>
@@ -3947,15 +3940,7 @@
                   <a:schemeClr val="tx1"/>
                 </a:solidFill>
               </a:rPr>
-              <a:t>crbs</a:t>
-            </a:r>
-            <a:r>
-              <a:rPr lang="en-US" altLang="ko-KR" sz="1500" dirty="0" err="1" smtClean="0">
-                <a:solidFill>
-                  <a:schemeClr val="tx1"/>
-                </a:solidFill>
-              </a:rPr>
-              <a:t>_move</a:t>
+              <a:t>crbs_move</a:t>
             </a:r>
             <a:r>
               <a:rPr lang="en-US" altLang="ko-KR" sz="1500" dirty="0" smtClean="0">
@@ -4200,15 +4185,7 @@
                   <a:schemeClr val="tx1"/>
                 </a:solidFill>
               </a:rPr>
-              <a:t>crbs</a:t>
-            </a:r>
-            <a:r>
-              <a:rPr lang="en-US" altLang="ko-KR" sz="1500" dirty="0" err="1" smtClean="0">
-                <a:solidFill>
-                  <a:schemeClr val="tx1"/>
-                </a:solidFill>
-              </a:rPr>
-              <a:t>_move</a:t>
+              <a:t>crbs_move</a:t>
             </a:r>
             <a:r>
               <a:rPr lang="en-US" altLang="ko-KR" sz="1500" dirty="0" smtClean="0">
@@ -4306,7 +4283,7 @@
                   <a:schemeClr val="tx1"/>
                 </a:solidFill>
               </a:rPr>
-              <a:t>추적 서비스</a:t>
+              <a:t>식별 서비스</a:t>
             </a:r>
             <a:r>
               <a:rPr lang="en-US" altLang="ko-KR" sz="1500" dirty="0" smtClean="0">
@@ -4569,51 +4546,77 @@
                   <a:schemeClr val="tx1"/>
                 </a:solidFill>
               </a:rPr>
-              <a:t>float32 z</a:t>
-            </a:r>
-          </a:p>
-          <a:p>
+              <a:t>float32 </a:t>
+            </a:r>
             <a:r>
               <a:rPr lang="en-US" altLang="ko-KR" sz="1200" dirty="0" smtClean="0">
                 <a:solidFill>
                   <a:schemeClr val="tx1"/>
                 </a:solidFill>
               </a:rPr>
-              <a:t>--- </a:t>
-            </a:r>
-          </a:p>
-          <a:p>
-            <a:r>
-              <a:rPr lang="en-US" altLang="ko-KR" sz="1200" dirty="0" err="1">
-                <a:solidFill>
-                  <a:schemeClr val="tx1"/>
-                </a:solidFill>
-              </a:rPr>
-              <a:t>builtin_interfaces</a:t>
-            </a:r>
+              <a:t>z</a:t>
+            </a:r>
+          </a:p>
+          <a:p>
             <a:r>
               <a:rPr lang="en-US" altLang="ko-KR" sz="1200" dirty="0">
                 <a:solidFill>
                   <a:schemeClr val="tx1"/>
                 </a:solidFill>
               </a:rPr>
-              <a:t>/Time stamp</a:t>
-            </a:r>
-          </a:p>
-          <a:p>
+              <a:t>float32 </a:t>
+            </a:r>
             <a:r>
               <a:rPr lang="en-US" altLang="ko-KR" sz="1200" dirty="0" smtClean="0">
                 <a:solidFill>
                   <a:schemeClr val="tx1"/>
                 </a:solidFill>
               </a:rPr>
-              <a:t>string result</a:t>
+              <a:t>w</a:t>
             </a:r>
             <a:endParaRPr lang="en-US" altLang="ko-KR" sz="1200" dirty="0" smtClean="0">
               <a:solidFill>
                 <a:schemeClr val="tx1"/>
               </a:solidFill>
             </a:endParaRPr>
+          </a:p>
+          <a:p>
+            <a:r>
+              <a:rPr lang="en-US" altLang="ko-KR" sz="1200" dirty="0" smtClean="0">
+                <a:solidFill>
+                  <a:schemeClr val="tx1"/>
+                </a:solidFill>
+              </a:rPr>
+              <a:t>--- </a:t>
+            </a:r>
+          </a:p>
+          <a:p>
+            <a:r>
+              <a:rPr lang="en-US" altLang="ko-KR" sz="1200" dirty="0" err="1">
+                <a:solidFill>
+                  <a:schemeClr val="tx1"/>
+                </a:solidFill>
+              </a:rPr>
+              <a:t>builtin_interfaces</a:t>
+            </a:r>
+            <a:r>
+              <a:rPr lang="en-US" altLang="ko-KR" sz="1200" dirty="0">
+                <a:solidFill>
+                  <a:schemeClr val="tx1"/>
+                </a:solidFill>
+              </a:rPr>
+              <a:t>/Time stamp</a:t>
+            </a:r>
+          </a:p>
+          <a:p>
+            <a:r>
+              <a:rPr lang="en-US" altLang="ko-KR" sz="1200" dirty="0" smtClean="0">
+                <a:solidFill>
+                  <a:schemeClr val="tx1"/>
+                </a:solidFill>
+              </a:rPr>
+              <a:t>string result</a:t>
+            </a:r>
           </a:p>
           <a:p>
             <a:r>
@@ -5225,7 +5228,7 @@
         <p:spPr>
           <a:xfrm>
             <a:off x="363682" y="4312227"/>
-            <a:ext cx="1908343" cy="1754326"/>
+            <a:ext cx="1868845" cy="2123658"/>
           </a:xfrm>
           <a:prstGeom prst="rect">
             <a:avLst/>
@@ -5276,9 +5279,18 @@
               <a:t>x,y,z</a:t>
             </a:r>
             <a:r>
+              <a:rPr lang="en-US" altLang="ko-KR" sz="1200" dirty="0" err="1" smtClean="0"/>
+              <a:t>,w</a:t>
+            </a:r>
+            <a:r>
               <a:rPr lang="en-US" altLang="ko-KR" sz="1200" dirty="0" smtClean="0"/>
-              <a:t> position </a:t>
-            </a:r>
+              <a:t> </a:t>
+            </a:r>
+            <a:r>
+              <a:rPr lang="en-US" altLang="ko-KR" sz="1200" dirty="0" smtClean="0"/>
+              <a:t>position </a:t>
+            </a:r>
+            <a:endParaRPr lang="en-US" altLang="ko-KR" sz="1200" dirty="0" smtClean="0"/>
           </a:p>
           <a:p>
             <a:pPr marL="171450" indent="-171450">
@@ -5328,11 +5340,7 @@
               <a:buFont typeface="Arial" panose="020B0604020202020204" pitchFamily="34" charset="0"/>
               <a:buChar char="•"/>
             </a:pPr>
-            <a:r>
-              <a:rPr lang="en-US" altLang="ko-KR" sz="1200" dirty="0" smtClean="0"/>
-              <a:t>result message </a:t>
-            </a:r>
-            <a:endParaRPr lang="en-US" altLang="ko-KR" sz="1200" dirty="0"/>
+            <a:endParaRPr lang="en-US" altLang="ko-KR" sz="1200" dirty="0" smtClean="0"/>
           </a:p>
           <a:p>
             <a:pPr marL="171450" indent="-171450">
@@ -5340,12 +5348,41 @@
               <a:buChar char="•"/>
             </a:pPr>
             <a:r>
+              <a:rPr lang="en-US" altLang="ko-KR" sz="1200" dirty="0" smtClean="0"/>
+              <a:t>bool success</a:t>
+            </a:r>
+          </a:p>
+          <a:p>
+            <a:pPr marL="171450" indent="-171450">
+              <a:buFont typeface="Arial" panose="020B0604020202020204" pitchFamily="34" charset="0"/>
+              <a:buChar char="•"/>
+            </a:pPr>
+            <a:r>
+              <a:rPr lang="en-US" altLang="ko-KR" sz="1200" dirty="0" smtClean="0"/>
+              <a:t>result </a:t>
+            </a:r>
+            <a:r>
+              <a:rPr lang="en-US" altLang="ko-KR" sz="1200" dirty="0" smtClean="0"/>
+              <a:t>message </a:t>
+            </a:r>
+            <a:endParaRPr lang="en-US" altLang="ko-KR" sz="1200" dirty="0"/>
+          </a:p>
+          <a:p>
+            <a:pPr marL="171450" indent="-171450">
+              <a:buFont typeface="Arial" panose="020B0604020202020204" pitchFamily="34" charset="0"/>
+              <a:buChar char="•"/>
+            </a:pPr>
+            <a:r>
               <a:rPr lang="en-US" altLang="ko-KR" sz="1200" dirty="0" err="1" smtClean="0"/>
-              <a:t>x,y,z</a:t>
+              <a:t>x,y,z,w</a:t>
             </a:r>
             <a:r>
               <a:rPr lang="en-US" altLang="ko-KR" sz="1200" dirty="0" smtClean="0"/>
-              <a:t> : current </a:t>
+              <a:t> </a:t>
+            </a:r>
+            <a:r>
+              <a:rPr lang="en-US" altLang="ko-KR" sz="1200" dirty="0" smtClean="0"/>
+              <a:t>: current </a:t>
             </a:r>
             <a:r>
               <a:rPr lang="en-US" altLang="ko-KR" sz="1200" dirty="0" err="1" smtClean="0"/>
@@ -6232,45 +6269,17 @@
           <a:bodyPr rtlCol="0" anchor="ctr"/>
           <a:lstStyle/>
           <a:p>
-            <a:pPr marL="285750" indent="-285750">
-              <a:buFont typeface="Arial" panose="020B0604020202020204" pitchFamily="34" charset="0"/>
-              <a:buChar char="•"/>
-            </a:pPr>
-            <a:r>
-              <a:rPr lang="ko-KR" altLang="en-US" sz="1500" dirty="0" err="1" smtClean="0">
-                <a:solidFill>
-                  <a:schemeClr val="tx1"/>
-                </a:solidFill>
-              </a:rPr>
-              <a:t>제어센터</a:t>
-            </a:r>
-            <a:r>
-              <a:rPr lang="en-US" altLang="ko-KR" sz="1500" dirty="0" smtClean="0">
-                <a:solidFill>
-                  <a:schemeClr val="tx1"/>
-                </a:solidFill>
-              </a:rPr>
-              <a:t>(</a:t>
-            </a:r>
             <a:r>
               <a:rPr lang="en-US" altLang="ko-KR" sz="1500" dirty="0" err="1" smtClean="0">
                 <a:solidFill>
-                  <a:schemeClr val="tx1"/>
-                </a:solidFill>
-              </a:rPr>
-              <a:t>crbs_center</a:t>
-            </a:r>
-            <a:r>
-              <a:rPr lang="en-US" altLang="ko-KR" sz="1500" dirty="0" smtClean="0">
-                <a:solidFill>
-                  <a:schemeClr val="tx1"/>
-                </a:solidFill>
-              </a:rPr>
-              <a:t>)</a:t>
+                  <a:srgbClr val="0070C0"/>
+                </a:solidFill>
+              </a:rPr>
+              <a:t>CrbsCmdSrv</a:t>
             </a:r>
             <a:endParaRPr lang="ko-KR" altLang="en-US" sz="1500" dirty="0">
               <a:solidFill>
-                <a:schemeClr val="tx1"/>
+                <a:srgbClr val="0070C0"/>
               </a:solidFill>
             </a:endParaRPr>
           </a:p>
@@ -6314,8 +6323,8 @@
           <a:p>
             <a:pPr algn="ctr"/>
             <a:r>
-              <a:rPr lang="en-US" altLang="ko-KR" dirty="0" smtClean="0"/>
-              <a:t>CRB Center</a:t>
+              <a:rPr lang="en-US" altLang="ko-KR" dirty="0" err="1" smtClean="0"/>
+              <a:t>crbs_server</a:t>
             </a:r>
             <a:endParaRPr lang="ko-KR" altLang="en-US" dirty="0"/>
           </a:p>
@@ -6323,556 +6332,14 @@
       </p:sp>
       <p:sp>
         <p:nvSpPr>
-          <p:cNvPr id="6" name="모서리가 둥근 직사각형 5"/>
+          <p:cNvPr id="29" name="모서리가 둥근 직사각형 28"/>
           <p:cNvSpPr/>
           <p:nvPr/>
         </p:nvSpPr>
         <p:spPr>
           <a:xfrm>
-            <a:off x="10449786" y="2114462"/>
-            <a:ext cx="1406242" cy="721832"/>
-          </a:xfrm>
-          <a:prstGeom prst="roundRect">
-            <a:avLst/>
-          </a:prstGeom>
-          <a:ln w="28575"/>
-        </p:spPr>
-        <p:style>
-          <a:lnRef idx="2">
-            <a:schemeClr val="accent6">
-              <a:shade val="50000"/>
-            </a:schemeClr>
-          </a:lnRef>
-          <a:fillRef idx="1">
-            <a:schemeClr val="accent6"/>
-          </a:fillRef>
-          <a:effectRef idx="0">
-            <a:schemeClr val="accent6"/>
-          </a:effectRef>
-          <a:fontRef idx="minor">
-            <a:schemeClr val="lt1"/>
-          </a:fontRef>
-        </p:style>
-        <p:txBody>
-          <a:bodyPr rtlCol="0" anchor="ctr"/>
-          <a:lstStyle/>
-          <a:p>
-            <a:pPr algn="ctr"/>
-            <a:r>
-              <a:rPr lang="ko-KR" altLang="en-US" sz="1600" dirty="0" err="1" smtClean="0"/>
-              <a:t>온습도센서</a:t>
-            </a:r>
-            <a:endParaRPr lang="en-US" altLang="ko-KR" sz="1600" dirty="0" smtClean="0"/>
-          </a:p>
-          <a:p>
-            <a:pPr algn="ctr"/>
-            <a:r>
-              <a:rPr lang="en-US" altLang="ko-KR" sz="1600" dirty="0" smtClean="0"/>
-              <a:t>(DHT11)</a:t>
-            </a:r>
-            <a:endParaRPr lang="ko-KR" altLang="en-US" sz="1600" dirty="0"/>
-          </a:p>
-        </p:txBody>
-      </p:sp>
-      <p:sp>
-        <p:nvSpPr>
-          <p:cNvPr id="7" name="모서리가 둥근 직사각형 6"/>
-          <p:cNvSpPr/>
-          <p:nvPr/>
-        </p:nvSpPr>
-        <p:spPr>
-          <a:xfrm>
-            <a:off x="7200900" y="4350327"/>
-            <a:ext cx="706583" cy="616528"/>
-          </a:xfrm>
-          <a:prstGeom prst="roundRect">
-            <a:avLst/>
-          </a:prstGeom>
-          <a:ln w="28575"/>
-        </p:spPr>
-        <p:style>
-          <a:lnRef idx="2">
-            <a:schemeClr val="accent6">
-              <a:shade val="50000"/>
-            </a:schemeClr>
-          </a:lnRef>
-          <a:fillRef idx="1">
-            <a:schemeClr val="accent6"/>
-          </a:fillRef>
-          <a:effectRef idx="0">
-            <a:schemeClr val="accent6"/>
-          </a:effectRef>
-          <a:fontRef idx="minor">
-            <a:schemeClr val="lt1"/>
-          </a:fontRef>
-        </p:style>
-        <p:txBody>
-          <a:bodyPr rtlCol="0" anchor="ctr"/>
-          <a:lstStyle/>
-          <a:p>
-            <a:pPr algn="ctr"/>
-            <a:r>
-              <a:rPr lang="en-US" altLang="ko-KR" dirty="0" smtClean="0"/>
-              <a:t>LED</a:t>
-            </a:r>
-            <a:endParaRPr lang="ko-KR" altLang="en-US" dirty="0"/>
-          </a:p>
-        </p:txBody>
-      </p:sp>
-      <p:sp>
-        <p:nvSpPr>
-          <p:cNvPr id="8" name="모서리가 둥근 직사각형 7"/>
-          <p:cNvSpPr/>
-          <p:nvPr/>
-        </p:nvSpPr>
-        <p:spPr>
-          <a:xfrm>
-            <a:off x="10449785" y="1288476"/>
-            <a:ext cx="1406242" cy="671943"/>
-          </a:xfrm>
-          <a:prstGeom prst="roundRect">
-            <a:avLst/>
-          </a:prstGeom>
-          <a:ln w="28575"/>
-        </p:spPr>
-        <p:style>
-          <a:lnRef idx="2">
-            <a:schemeClr val="accent6">
-              <a:shade val="50000"/>
-            </a:schemeClr>
-          </a:lnRef>
-          <a:fillRef idx="1">
-            <a:schemeClr val="accent6"/>
-          </a:fillRef>
-          <a:effectRef idx="0">
-            <a:schemeClr val="accent6"/>
-          </a:effectRef>
-          <a:fontRef idx="minor">
-            <a:schemeClr val="lt1"/>
-          </a:fontRef>
-        </p:style>
-        <p:txBody>
-          <a:bodyPr rtlCol="0" anchor="ctr"/>
-          <a:lstStyle/>
-          <a:p>
-            <a:pPr algn="ctr"/>
-            <a:r>
-              <a:rPr lang="ko-KR" altLang="en-US" sz="1600" dirty="0" err="1" smtClean="0"/>
-              <a:t>가변저항</a:t>
-            </a:r>
-            <a:endParaRPr lang="ko-KR" altLang="en-US" sz="1600" dirty="0"/>
-          </a:p>
-        </p:txBody>
-      </p:sp>
-      <p:sp>
-        <p:nvSpPr>
-          <p:cNvPr id="9" name="모서리가 둥근 직사각형 8"/>
-          <p:cNvSpPr/>
-          <p:nvPr/>
-        </p:nvSpPr>
-        <p:spPr>
-          <a:xfrm>
-            <a:off x="8704114" y="4350326"/>
-            <a:ext cx="1620983" cy="616530"/>
-          </a:xfrm>
-          <a:prstGeom prst="roundRect">
-            <a:avLst/>
-          </a:prstGeom>
-          <a:ln w="28575"/>
-        </p:spPr>
-        <p:style>
-          <a:lnRef idx="2">
-            <a:schemeClr val="accent6">
-              <a:shade val="50000"/>
-            </a:schemeClr>
-          </a:lnRef>
-          <a:fillRef idx="1">
-            <a:schemeClr val="accent6"/>
-          </a:fillRef>
-          <a:effectRef idx="0">
-            <a:schemeClr val="accent6"/>
-          </a:effectRef>
-          <a:fontRef idx="minor">
-            <a:schemeClr val="lt1"/>
-          </a:fontRef>
-        </p:style>
-        <p:txBody>
-          <a:bodyPr rtlCol="0" anchor="ctr"/>
-          <a:lstStyle/>
-          <a:p>
-            <a:pPr algn="ctr"/>
-            <a:r>
-              <a:rPr lang="ko-KR" altLang="en-US" dirty="0" err="1" smtClean="0"/>
-              <a:t>서보모터</a:t>
-            </a:r>
-            <a:endParaRPr lang="ko-KR" altLang="en-US" dirty="0"/>
-          </a:p>
-        </p:txBody>
-      </p:sp>
-      <p:cxnSp>
-        <p:nvCxnSpPr>
-          <p:cNvPr id="11" name="꺾인 연결선 10"/>
-          <p:cNvCxnSpPr>
-            <a:stCxn id="6" idx="1"/>
-            <a:endCxn id="4" idx="3"/>
-          </p:cNvCxnSpPr>
-          <p:nvPr/>
-        </p:nvCxnSpPr>
-        <p:spPr>
-          <a:xfrm rot="10800000">
-            <a:off x="8704114" y="2462646"/>
-            <a:ext cx="1745672" cy="12732"/>
-          </a:xfrm>
-          <a:prstGeom prst="bentConnector3">
-            <a:avLst/>
-          </a:prstGeom>
-          <a:ln w="38100">
-            <a:tailEnd type="triangle"/>
-          </a:ln>
-        </p:spPr>
-        <p:style>
-          <a:lnRef idx="1">
-            <a:schemeClr val="accent1"/>
-          </a:lnRef>
-          <a:fillRef idx="0">
-            <a:schemeClr val="accent1"/>
-          </a:fillRef>
-          <a:effectRef idx="0">
-            <a:schemeClr val="accent1"/>
-          </a:effectRef>
-          <a:fontRef idx="minor">
-            <a:schemeClr val="tx1"/>
-          </a:fontRef>
-        </p:style>
-      </p:cxnSp>
-      <p:sp>
-        <p:nvSpPr>
-          <p:cNvPr id="14" name="TextBox 13"/>
-          <p:cNvSpPr txBox="1"/>
-          <p:nvPr/>
-        </p:nvSpPr>
-        <p:spPr>
-          <a:xfrm>
-            <a:off x="9590990" y="2528517"/>
-            <a:ext cx="752129" cy="307777"/>
-          </a:xfrm>
-          <a:prstGeom prst="rect">
-            <a:avLst/>
-          </a:prstGeom>
-          <a:noFill/>
-        </p:spPr>
-        <p:txBody>
-          <a:bodyPr wrap="none" rtlCol="0">
-            <a:spAutoFit/>
-          </a:bodyPr>
-          <a:lstStyle/>
-          <a:p>
-            <a:r>
-              <a:rPr lang="ko-KR" altLang="en-US" sz="1400" dirty="0" smtClean="0">
-                <a:solidFill>
-                  <a:srgbClr val="0070C0"/>
-                </a:solidFill>
-              </a:rPr>
-              <a:t>입력</a:t>
-            </a:r>
-            <a:r>
-              <a:rPr lang="en-US" altLang="ko-KR" sz="1400" dirty="0" smtClean="0">
-                <a:solidFill>
-                  <a:srgbClr val="0070C0"/>
-                </a:solidFill>
-              </a:rPr>
-              <a:t>(2)</a:t>
-            </a:r>
-            <a:endParaRPr lang="ko-KR" altLang="en-US" sz="1400" dirty="0">
-              <a:solidFill>
-                <a:srgbClr val="0070C0"/>
-              </a:solidFill>
-            </a:endParaRPr>
-          </a:p>
-        </p:txBody>
-      </p:sp>
-      <p:cxnSp>
-        <p:nvCxnSpPr>
-          <p:cNvPr id="15" name="꺾인 연결선 14"/>
-          <p:cNvCxnSpPr>
-            <a:stCxn id="4" idx="2"/>
-            <a:endCxn id="9" idx="0"/>
-          </p:cNvCxnSpPr>
-          <p:nvPr/>
-        </p:nvCxnSpPr>
-        <p:spPr>
-          <a:xfrm rot="16200000" flipH="1">
-            <a:off x="7870245" y="2705964"/>
-            <a:ext cx="1108363" cy="2180359"/>
-          </a:xfrm>
-          <a:prstGeom prst="bentConnector3">
-            <a:avLst>
-              <a:gd name="adj1" fmla="val 50000"/>
-            </a:avLst>
-          </a:prstGeom>
-          <a:ln w="38100">
-            <a:solidFill>
-              <a:schemeClr val="accent2"/>
-            </a:solidFill>
-            <a:tailEnd type="triangle"/>
-          </a:ln>
-        </p:spPr>
-        <p:style>
-          <a:lnRef idx="1">
-            <a:schemeClr val="accent1"/>
-          </a:lnRef>
-          <a:fillRef idx="0">
-            <a:schemeClr val="accent1"/>
-          </a:fillRef>
-          <a:effectRef idx="0">
-            <a:schemeClr val="accent1"/>
-          </a:effectRef>
-          <a:fontRef idx="minor">
-            <a:schemeClr val="tx1"/>
-          </a:fontRef>
-        </p:style>
-      </p:cxnSp>
-      <p:sp>
-        <p:nvSpPr>
-          <p:cNvPr id="19" name="TextBox 18"/>
-          <p:cNvSpPr txBox="1"/>
-          <p:nvPr/>
-        </p:nvSpPr>
-        <p:spPr>
-          <a:xfrm>
-            <a:off x="8503774" y="3466585"/>
-            <a:ext cx="752129" cy="307777"/>
-          </a:xfrm>
-          <a:prstGeom prst="rect">
-            <a:avLst/>
-          </a:prstGeom>
-          <a:noFill/>
-        </p:spPr>
-        <p:txBody>
-          <a:bodyPr wrap="none" rtlCol="0">
-            <a:spAutoFit/>
-          </a:bodyPr>
-          <a:lstStyle/>
-          <a:p>
-            <a:r>
-              <a:rPr lang="ko-KR" altLang="en-US" sz="1400" dirty="0">
-                <a:solidFill>
-                  <a:srgbClr val="0070C0"/>
-                </a:solidFill>
-              </a:rPr>
-              <a:t>출</a:t>
-            </a:r>
-            <a:r>
-              <a:rPr lang="ko-KR" altLang="en-US" sz="1400" dirty="0" smtClean="0">
-                <a:solidFill>
-                  <a:srgbClr val="0070C0"/>
-                </a:solidFill>
-              </a:rPr>
-              <a:t>력</a:t>
-            </a:r>
-            <a:r>
-              <a:rPr lang="en-US" altLang="ko-KR" sz="1400" dirty="0" smtClean="0">
-                <a:solidFill>
-                  <a:srgbClr val="0070C0"/>
-                </a:solidFill>
-              </a:rPr>
-              <a:t>(8)</a:t>
-            </a:r>
-            <a:endParaRPr lang="ko-KR" altLang="en-US" sz="1400" dirty="0">
-              <a:solidFill>
-                <a:srgbClr val="0070C0"/>
-              </a:solidFill>
-            </a:endParaRPr>
-          </a:p>
-        </p:txBody>
-      </p:sp>
-      <p:cxnSp>
-        <p:nvCxnSpPr>
-          <p:cNvPr id="20" name="꺾인 연결선 19"/>
-          <p:cNvCxnSpPr>
-            <a:stCxn id="8" idx="1"/>
-            <a:endCxn id="4" idx="3"/>
-          </p:cNvCxnSpPr>
-          <p:nvPr/>
-        </p:nvCxnSpPr>
-        <p:spPr>
-          <a:xfrm rot="10800000" flipV="1">
-            <a:off x="8704115" y="1624448"/>
-            <a:ext cx="1745671" cy="838198"/>
-          </a:xfrm>
-          <a:prstGeom prst="bentConnector3">
-            <a:avLst/>
-          </a:prstGeom>
-          <a:ln w="38100">
-            <a:tailEnd type="triangle"/>
-          </a:ln>
-        </p:spPr>
-        <p:style>
-          <a:lnRef idx="1">
-            <a:schemeClr val="accent1"/>
-          </a:lnRef>
-          <a:fillRef idx="0">
-            <a:schemeClr val="accent1"/>
-          </a:fillRef>
-          <a:effectRef idx="0">
-            <a:schemeClr val="accent1"/>
-          </a:effectRef>
-          <a:fontRef idx="minor">
-            <a:schemeClr val="tx1"/>
-          </a:fontRef>
-        </p:style>
-      </p:cxnSp>
-      <p:sp>
-        <p:nvSpPr>
-          <p:cNvPr id="23" name="TextBox 22"/>
-          <p:cNvSpPr txBox="1"/>
-          <p:nvPr/>
-        </p:nvSpPr>
-        <p:spPr>
-          <a:xfrm>
-            <a:off x="9494005" y="1162628"/>
-            <a:ext cx="870751" cy="307777"/>
-          </a:xfrm>
-          <a:prstGeom prst="rect">
-            <a:avLst/>
-          </a:prstGeom>
-          <a:noFill/>
-        </p:spPr>
-        <p:txBody>
-          <a:bodyPr wrap="none" rtlCol="0">
-            <a:spAutoFit/>
-          </a:bodyPr>
-          <a:lstStyle/>
-          <a:p>
-            <a:r>
-              <a:rPr lang="ko-KR" altLang="en-US" sz="1400" dirty="0" smtClean="0">
-                <a:solidFill>
-                  <a:srgbClr val="0070C0"/>
-                </a:solidFill>
-              </a:rPr>
-              <a:t>입력</a:t>
-            </a:r>
-            <a:r>
-              <a:rPr lang="en-US" altLang="ko-KR" sz="1400" dirty="0" smtClean="0">
-                <a:solidFill>
-                  <a:srgbClr val="0070C0"/>
-                </a:solidFill>
-              </a:rPr>
-              <a:t>(A0)</a:t>
-            </a:r>
-            <a:endParaRPr lang="ko-KR" altLang="en-US" sz="1400" dirty="0">
-              <a:solidFill>
-                <a:srgbClr val="0070C0"/>
-              </a:solidFill>
-            </a:endParaRPr>
-          </a:p>
-        </p:txBody>
-      </p:sp>
-      <p:cxnSp>
-        <p:nvCxnSpPr>
-          <p:cNvPr id="24" name="꺾인 연결선 23"/>
-          <p:cNvCxnSpPr>
-            <a:stCxn id="4" idx="2"/>
-            <a:endCxn id="7" idx="0"/>
-          </p:cNvCxnSpPr>
-          <p:nvPr/>
-        </p:nvCxnSpPr>
-        <p:spPr>
-          <a:xfrm rot="16200000" flipH="1">
-            <a:off x="6890037" y="3686172"/>
-            <a:ext cx="1108364" cy="219945"/>
-          </a:xfrm>
-          <a:prstGeom prst="bentConnector3">
-            <a:avLst>
-              <a:gd name="adj1" fmla="val 50000"/>
-            </a:avLst>
-          </a:prstGeom>
-          <a:ln w="38100">
-            <a:solidFill>
-              <a:schemeClr val="accent2"/>
-            </a:solidFill>
-            <a:tailEnd type="triangle"/>
-          </a:ln>
-        </p:spPr>
-        <p:style>
-          <a:lnRef idx="1">
-            <a:schemeClr val="accent1"/>
-          </a:lnRef>
-          <a:fillRef idx="0">
-            <a:schemeClr val="accent1"/>
-          </a:fillRef>
-          <a:effectRef idx="0">
-            <a:schemeClr val="accent1"/>
-          </a:effectRef>
-          <a:fontRef idx="minor">
-            <a:schemeClr val="tx1"/>
-          </a:fontRef>
-        </p:style>
-      </p:cxnSp>
-      <p:sp>
-        <p:nvSpPr>
-          <p:cNvPr id="27" name="TextBox 26"/>
-          <p:cNvSpPr txBox="1"/>
-          <p:nvPr/>
-        </p:nvSpPr>
-        <p:spPr>
-          <a:xfrm>
-            <a:off x="7258233" y="3466585"/>
-            <a:ext cx="851515" cy="307777"/>
-          </a:xfrm>
-          <a:prstGeom prst="rect">
-            <a:avLst/>
-          </a:prstGeom>
-          <a:noFill/>
-        </p:spPr>
-        <p:txBody>
-          <a:bodyPr wrap="none" rtlCol="0">
-            <a:spAutoFit/>
-          </a:bodyPr>
-          <a:lstStyle/>
-          <a:p>
-            <a:r>
-              <a:rPr lang="ko-KR" altLang="en-US" sz="1400" dirty="0">
-                <a:solidFill>
-                  <a:srgbClr val="0070C0"/>
-                </a:solidFill>
-              </a:rPr>
-              <a:t>출</a:t>
-            </a:r>
-            <a:r>
-              <a:rPr lang="ko-KR" altLang="en-US" sz="1400" dirty="0" smtClean="0">
-                <a:solidFill>
-                  <a:srgbClr val="0070C0"/>
-                </a:solidFill>
-              </a:rPr>
-              <a:t>력</a:t>
-            </a:r>
-            <a:r>
-              <a:rPr lang="en-US" altLang="ko-KR" sz="1400" dirty="0" smtClean="0">
-                <a:solidFill>
-                  <a:srgbClr val="0070C0"/>
-                </a:solidFill>
-              </a:rPr>
-              <a:t>(13)</a:t>
-            </a:r>
-            <a:endParaRPr lang="ko-KR" altLang="en-US" sz="1400" dirty="0">
-              <a:solidFill>
-                <a:srgbClr val="0070C0"/>
-              </a:solidFill>
-            </a:endParaRPr>
-          </a:p>
-        </p:txBody>
-      </p:sp>
-      <p:sp>
-        <p:nvSpPr>
-          <p:cNvPr id="32" name="모서리가 둥근 직사각형 31"/>
-          <p:cNvSpPr/>
-          <p:nvPr/>
-        </p:nvSpPr>
-        <p:spPr>
-          <a:xfrm>
-            <a:off x="2116455" y="1709307"/>
-            <a:ext cx="2673747" cy="1558635"/>
+            <a:off x="561975" y="1683328"/>
+            <a:ext cx="3647371" cy="1558635"/>
           </a:xfrm>
           <a:prstGeom prst="roundRect">
             <a:avLst/>
@@ -6905,17 +6372,13 @@
           <a:bodyPr rtlCol="0" anchor="ctr"/>
           <a:lstStyle/>
           <a:p>
-            <a:pPr marL="285750" indent="-285750">
-              <a:buFont typeface="Arial" panose="020B0604020202020204" pitchFamily="34" charset="0"/>
-              <a:buChar char="•"/>
-            </a:pPr>
-            <a:r>
-              <a:rPr lang="ko-KR" altLang="en-US" sz="1500" dirty="0" smtClean="0">
-                <a:solidFill>
-                  <a:schemeClr val="tx1"/>
-                </a:solidFill>
-              </a:rPr>
-              <a:t>서비스 정보관리</a:t>
+            <a:r>
+              <a:rPr lang="en-US" altLang="ko-KR" sz="1500" dirty="0" err="1" smtClean="0">
+                <a:solidFill>
+                  <a:schemeClr val="tx1"/>
+                </a:solidFill>
+              </a:rPr>
+              <a:t>moveto</a:t>
             </a:r>
             <a:endParaRPr lang="en-US" altLang="ko-KR" sz="1500" dirty="0" smtClean="0">
               <a:solidFill>
@@ -6924,25 +6387,13 @@
             </a:endParaRPr>
           </a:p>
           <a:p>
-            <a:pPr marL="285750" indent="-285750">
-              <a:buFont typeface="Arial" panose="020B0604020202020204" pitchFamily="34" charset="0"/>
-              <a:buChar char="•"/>
-            </a:pPr>
-            <a:r>
-              <a:rPr lang="ko-KR" altLang="en-US" sz="1500" dirty="0" err="1" smtClean="0">
-                <a:solidFill>
-                  <a:schemeClr val="tx1"/>
-                </a:solidFill>
-              </a:rPr>
-              <a:t>미션정보</a:t>
-            </a:r>
-            <a:r>
-              <a:rPr lang="ko-KR" altLang="en-US" sz="1500" dirty="0" smtClean="0">
-                <a:solidFill>
-                  <a:schemeClr val="tx1"/>
-                </a:solidFill>
-              </a:rPr>
-              <a:t> 관리</a:t>
+            <a:r>
+              <a:rPr lang="en-US" altLang="ko-KR" sz="1500" dirty="0" err="1" smtClean="0">
+                <a:solidFill>
+                  <a:schemeClr val="tx1"/>
+                </a:solidFill>
+              </a:rPr>
+              <a:t>armto</a:t>
             </a:r>
             <a:endParaRPr lang="en-US" altLang="ko-KR" sz="1500" dirty="0" smtClean="0">
               <a:solidFill>
@@ -6951,25 +6402,51 @@
             </a:endParaRPr>
           </a:p>
           <a:p>
-            <a:pPr marL="285750" indent="-285750">
-              <a:buFont typeface="Arial" panose="020B0604020202020204" pitchFamily="34" charset="0"/>
-              <a:buChar char="•"/>
-            </a:pPr>
-            <a:r>
-              <a:rPr lang="ko-KR" altLang="en-US" sz="1500" dirty="0" err="1" smtClean="0">
-                <a:solidFill>
-                  <a:schemeClr val="tx1"/>
-                </a:solidFill>
-              </a:rPr>
-              <a:t>파라메터</a:t>
-            </a:r>
-            <a:r>
-              <a:rPr lang="ko-KR" altLang="en-US" sz="1500" dirty="0" smtClean="0">
-                <a:solidFill>
-                  <a:schemeClr val="tx1"/>
-                </a:solidFill>
-              </a:rPr>
-              <a:t> 정보관리</a:t>
+            <a:r>
+              <a:rPr lang="en-US" altLang="ko-KR" sz="1500" dirty="0" err="1" smtClean="0">
+                <a:solidFill>
+                  <a:schemeClr val="tx1"/>
+                </a:solidFill>
+              </a:rPr>
+              <a:t>greep</a:t>
+            </a:r>
+            <a:endParaRPr lang="en-US" altLang="ko-KR" sz="1500" dirty="0" smtClean="0">
+              <a:solidFill>
+                <a:schemeClr val="tx1"/>
+              </a:solidFill>
+            </a:endParaRPr>
+          </a:p>
+          <a:p>
+            <a:r>
+              <a:rPr lang="en-US" altLang="ko-KR" sz="1500" dirty="0" err="1" smtClean="0">
+                <a:solidFill>
+                  <a:schemeClr val="tx1"/>
+                </a:solidFill>
+              </a:rPr>
+              <a:t>mapgen</a:t>
+            </a:r>
+            <a:endParaRPr lang="en-US" altLang="ko-KR" sz="1500" dirty="0" smtClean="0">
+              <a:solidFill>
+                <a:schemeClr val="tx1"/>
+              </a:solidFill>
+            </a:endParaRPr>
+          </a:p>
+          <a:p>
+            <a:r>
+              <a:rPr lang="en-US" altLang="ko-KR" sz="1500" dirty="0" err="1" smtClean="0">
+                <a:solidFill>
+                  <a:schemeClr val="tx1"/>
+                </a:solidFill>
+              </a:rPr>
+              <a:t>pathto</a:t>
+            </a:r>
+            <a:r>
+              <a:rPr lang="en-US" altLang="ko-KR" sz="1500" dirty="0" smtClean="0">
+                <a:solidFill>
+                  <a:schemeClr val="tx1"/>
+                </a:solidFill>
+              </a:rPr>
+              <a:t> </a:t>
             </a:r>
             <a:endParaRPr lang="ko-KR" altLang="en-US" sz="1500" dirty="0">
               <a:solidFill>
@@ -6981,14 +6458,14 @@
       </p:sp>
       <p:sp>
         <p:nvSpPr>
-          <p:cNvPr id="33" name="모서리가 둥근 직사각형 32"/>
+          <p:cNvPr id="30" name="모서리가 둥근 직사각형 29"/>
           <p:cNvSpPr/>
           <p:nvPr/>
         </p:nvSpPr>
         <p:spPr>
           <a:xfrm>
-            <a:off x="2116456" y="1262497"/>
-            <a:ext cx="2175802" cy="432397"/>
+            <a:off x="795369" y="1236518"/>
+            <a:ext cx="2024032" cy="432397"/>
           </a:xfrm>
           <a:prstGeom prst="roundRect">
             <a:avLst/>
@@ -7017,31 +6494,39 @@
           <a:p>
             <a:pPr algn="ctr"/>
             <a:r>
-              <a:rPr lang="ko-KR" altLang="en-US" dirty="0" err="1" smtClean="0"/>
-              <a:t>웹서버</a:t>
-            </a:r>
-            <a:endParaRPr lang="ko-KR" altLang="en-US" dirty="0"/>
+              <a:rPr lang="en-US" altLang="ko-KR" dirty="0" err="1">
+                <a:solidFill>
+                  <a:schemeClr val="bg1"/>
+                </a:solidFill>
+              </a:rPr>
+              <a:t>crbm_center</a:t>
+            </a:r>
+            <a:endParaRPr lang="ko-KR" altLang="en-US" dirty="0">
+              <a:solidFill>
+                <a:schemeClr val="bg1"/>
+              </a:solidFill>
+            </a:endParaRPr>
           </a:p>
         </p:txBody>
       </p:sp>
       <p:cxnSp>
         <p:nvCxnSpPr>
-          <p:cNvPr id="34" name="꺾인 연결선 33"/>
+          <p:cNvPr id="3" name="직선 화살표 연결선 2"/>
           <p:cNvCxnSpPr>
-            <a:stCxn id="4" idx="1"/>
-            <a:endCxn id="32" idx="3"/>
+            <a:stCxn id="29" idx="3"/>
+            <a:endCxn id="4" idx="1"/>
           </p:cNvCxnSpPr>
           <p:nvPr/>
         </p:nvCxnSpPr>
         <p:spPr>
-          <a:xfrm rot="10800000" flipV="1">
-            <a:off x="4790203" y="2462645"/>
-            <a:ext cx="1174177" cy="25979"/>
+          <a:xfrm>
+            <a:off x="4209346" y="2462646"/>
+            <a:ext cx="1755033" cy="0"/>
           </a:xfrm>
-          <a:prstGeom prst="bentConnector3">
+          <a:prstGeom prst="straightConnector1">
             <a:avLst/>
           </a:prstGeom>
-          <a:ln w="38100">
+          <a:ln w="28575">
             <a:tailEnd type="triangle"/>
           </a:ln>
         </p:spPr>
@@ -7062,34 +6547,32 @@
       </p:cxnSp>
       <p:sp>
         <p:nvSpPr>
-          <p:cNvPr id="37" name="TextBox 36"/>
-          <p:cNvSpPr txBox="1"/>
+          <p:cNvPr id="10" name="직사각형 9"/>
+          <p:cNvSpPr/>
           <p:nvPr/>
         </p:nvSpPr>
         <p:spPr>
           <a:xfrm>
-            <a:off x="4988621" y="2682405"/>
-            <a:ext cx="502062" cy="307777"/>
+            <a:off x="4464058" y="2140455"/>
+            <a:ext cx="1186350" cy="307777"/>
           </a:xfrm>
           <a:prstGeom prst="rect">
             <a:avLst/>
           </a:prstGeom>
-          <a:noFill/>
         </p:spPr>
         <p:txBody>
-          <a:bodyPr wrap="none" rtlCol="0">
+          <a:bodyPr wrap="none">
             <a:spAutoFit/>
           </a:bodyPr>
           <a:lstStyle/>
           <a:p>
-            <a:pPr algn="ctr"/>
             <a:r>
               <a:rPr lang="en-US" altLang="ko-KR" sz="1400" dirty="0" err="1" smtClean="0">
                 <a:solidFill>
                   <a:srgbClr val="0070C0"/>
                 </a:solidFill>
               </a:rPr>
-              <a:t>Wifi</a:t>
+              <a:t>CrbsCmdSrv</a:t>
             </a:r>
             <a:endParaRPr lang="ko-KR" altLang="en-US" sz="1400" dirty="0">
               <a:solidFill>
@@ -7101,13 +6584,187 @@
       </p:sp>
       <p:sp>
         <p:nvSpPr>
-          <p:cNvPr id="40" name="모서리가 둥근 직사각형 39"/>
+          <p:cNvPr id="12" name="모서리가 둥근 직사각형 11"/>
           <p:cNvSpPr/>
           <p:nvPr/>
         </p:nvSpPr>
         <p:spPr>
           <a:xfrm>
-            <a:off x="2916462" y="4660883"/>
+            <a:off x="5743575" y="781051"/>
+            <a:ext cx="6067425" cy="3600450"/>
+          </a:xfrm>
+          <a:prstGeom prst="roundRect">
+            <a:avLst>
+              <a:gd name="adj" fmla="val 10149"/>
+            </a:avLst>
+          </a:prstGeom>
+          <a:noFill/>
+          <a:ln w="28575"/>
+        </p:spPr>
+        <p:style>
+          <a:lnRef idx="2">
+            <a:schemeClr val="accent1"/>
+          </a:lnRef>
+          <a:fillRef idx="1">
+            <a:schemeClr val="lt1"/>
+          </a:fillRef>
+          <a:effectRef idx="0">
+            <a:schemeClr val="accent1"/>
+          </a:effectRef>
+          <a:fontRef idx="minor">
+            <a:schemeClr val="dk1"/>
+          </a:fontRef>
+        </p:style>
+        <p:txBody>
+          <a:bodyPr rtlCol="0" anchor="ctr"/>
+          <a:lstStyle/>
+          <a:p>
+            <a:pPr algn="ctr"/>
+            <a:endParaRPr lang="ko-KR" altLang="en-US"/>
+          </a:p>
+        </p:txBody>
+      </p:sp>
+      <p:sp>
+        <p:nvSpPr>
+          <p:cNvPr id="35" name="모서리가 둥근 직사각형 34"/>
+          <p:cNvSpPr/>
+          <p:nvPr/>
+        </p:nvSpPr>
+        <p:spPr>
+          <a:xfrm>
+            <a:off x="6124575" y="348653"/>
+            <a:ext cx="2227287" cy="432397"/>
+          </a:xfrm>
+          <a:prstGeom prst="roundRect">
+            <a:avLst/>
+          </a:prstGeom>
+          <a:ln/>
+        </p:spPr>
+        <p:style>
+          <a:lnRef idx="1">
+            <a:schemeClr val="accent5"/>
+          </a:lnRef>
+          <a:fillRef idx="3">
+            <a:schemeClr val="accent5"/>
+          </a:fillRef>
+          <a:effectRef idx="2">
+            <a:schemeClr val="accent5"/>
+          </a:effectRef>
+          <a:fontRef idx="minor">
+            <a:schemeClr val="lt1"/>
+          </a:fontRef>
+        </p:style>
+        <p:txBody>
+          <a:bodyPr rtlCol="0" anchor="ctr"/>
+          <a:lstStyle/>
+          <a:p>
+            <a:pPr algn="ctr"/>
+            <a:r>
+              <a:rPr lang="en-US" altLang="ko-KR" dirty="0" err="1" smtClean="0"/>
+              <a:t>RoBoM</a:t>
+            </a:r>
+            <a:r>
+              <a:rPr lang="en-US" altLang="ko-KR" dirty="0" smtClean="0"/>
+              <a:t>/C</a:t>
+            </a:r>
+            <a:endParaRPr lang="ko-KR" altLang="en-US" dirty="0"/>
+          </a:p>
+        </p:txBody>
+      </p:sp>
+      <p:sp>
+        <p:nvSpPr>
+          <p:cNvPr id="36" name="모서리가 둥근 직사각형 35"/>
+          <p:cNvSpPr/>
+          <p:nvPr/>
+        </p:nvSpPr>
+        <p:spPr>
+          <a:xfrm>
+            <a:off x="352425" y="781050"/>
+            <a:ext cx="4111633" cy="5705475"/>
+          </a:xfrm>
+          <a:prstGeom prst="roundRect">
+            <a:avLst>
+              <a:gd name="adj" fmla="val 10149"/>
+            </a:avLst>
+          </a:prstGeom>
+          <a:noFill/>
+          <a:ln w="28575"/>
+        </p:spPr>
+        <p:style>
+          <a:lnRef idx="2">
+            <a:schemeClr val="accent1"/>
+          </a:lnRef>
+          <a:fillRef idx="1">
+            <a:schemeClr val="lt1"/>
+          </a:fillRef>
+          <a:effectRef idx="0">
+            <a:schemeClr val="accent1"/>
+          </a:effectRef>
+          <a:fontRef idx="minor">
+            <a:schemeClr val="dk1"/>
+          </a:fontRef>
+        </p:style>
+        <p:txBody>
+          <a:bodyPr rtlCol="0" anchor="ctr"/>
+          <a:lstStyle/>
+          <a:p>
+            <a:pPr algn="ctr"/>
+            <a:endParaRPr lang="ko-KR" altLang="en-US"/>
+          </a:p>
+        </p:txBody>
+      </p:sp>
+      <p:sp>
+        <p:nvSpPr>
+          <p:cNvPr id="38" name="모서리가 둥근 직사각형 37"/>
+          <p:cNvSpPr/>
+          <p:nvPr/>
+        </p:nvSpPr>
+        <p:spPr>
+          <a:xfrm>
+            <a:off x="733425" y="348653"/>
+            <a:ext cx="1932012" cy="432397"/>
+          </a:xfrm>
+          <a:prstGeom prst="roundRect">
+            <a:avLst/>
+          </a:prstGeom>
+          <a:ln/>
+        </p:spPr>
+        <p:style>
+          <a:lnRef idx="1">
+            <a:schemeClr val="accent5"/>
+          </a:lnRef>
+          <a:fillRef idx="3">
+            <a:schemeClr val="accent5"/>
+          </a:fillRef>
+          <a:effectRef idx="2">
+            <a:schemeClr val="accent5"/>
+          </a:effectRef>
+          <a:fontRef idx="minor">
+            <a:schemeClr val="lt1"/>
+          </a:fontRef>
+        </p:style>
+        <p:txBody>
+          <a:bodyPr rtlCol="0" anchor="ctr"/>
+          <a:lstStyle/>
+          <a:p>
+            <a:pPr algn="ctr"/>
+            <a:r>
+              <a:rPr lang="en-US" altLang="ko-KR" dirty="0"/>
+              <a:t>CRBM Center</a:t>
+            </a:r>
+            <a:endParaRPr lang="ko-KR" altLang="en-US" dirty="0"/>
+          </a:p>
+        </p:txBody>
+      </p:sp>
+      <p:sp>
+        <p:nvSpPr>
+          <p:cNvPr id="39" name="모서리가 둥근 직사각형 38"/>
+          <p:cNvSpPr/>
+          <p:nvPr/>
+        </p:nvSpPr>
+        <p:spPr>
+          <a:xfrm>
+            <a:off x="795368" y="4976073"/>
             <a:ext cx="2574222" cy="780491"/>
           </a:xfrm>
           <a:prstGeom prst="roundRect">
@@ -7201,13 +6858,13 @@
       </p:sp>
       <p:sp>
         <p:nvSpPr>
-          <p:cNvPr id="41" name="모서리가 둥근 직사각형 40"/>
+          <p:cNvPr id="43" name="모서리가 둥근 직사각형 42"/>
           <p:cNvSpPr/>
           <p:nvPr/>
         </p:nvSpPr>
         <p:spPr>
           <a:xfrm>
-            <a:off x="2916463" y="4214073"/>
+            <a:off x="795369" y="4529263"/>
             <a:ext cx="2175802" cy="432397"/>
           </a:xfrm>
           <a:prstGeom prst="roundRect">
@@ -7250,24 +6907,27 @@
       </p:sp>
       <p:cxnSp>
         <p:nvCxnSpPr>
-          <p:cNvPr id="42" name="꺾인 연결선 41"/>
+          <p:cNvPr id="44" name="꺾인 연결선 43"/>
           <p:cNvCxnSpPr>
-            <a:stCxn id="32" idx="2"/>
-            <a:endCxn id="41" idx="0"/>
+            <a:stCxn id="29" idx="2"/>
+            <a:endCxn id="43" idx="0"/>
           </p:cNvCxnSpPr>
           <p:nvPr/>
         </p:nvCxnSpPr>
         <p:spPr>
-          <a:xfrm rot="16200000" flipH="1">
-            <a:off x="3255781" y="3465489"/>
-            <a:ext cx="946131" cy="551035"/>
+          <a:xfrm rot="5400000">
+            <a:off x="1490816" y="3634418"/>
+            <a:ext cx="1287300" cy="502391"/>
           </a:xfrm>
           <a:prstGeom prst="bentConnector3">
             <a:avLst>
               <a:gd name="adj1" fmla="val 50000"/>
             </a:avLst>
           </a:prstGeom>
-          <a:ln w="38100">
+          <a:ln w="19050">
+            <a:solidFill>
+              <a:schemeClr val="accent2"/>
+            </a:solidFill>
             <a:headEnd type="triangle" w="med" len="med"/>
             <a:tailEnd type="triangle" w="med" len="med"/>
           </a:ln>
@@ -7287,16 +6947,258 @@
           </a:fontRef>
         </p:style>
       </p:cxnSp>
-      <p:sp>
-        <p:nvSpPr>
-          <p:cNvPr id="56" name="모서리가 둥근 직사각형 55"/>
+    </p:spTree>
+    <p:extLst>
+      <p:ext uri="{BB962C8B-B14F-4D97-AF65-F5344CB8AC3E}">
+        <p14:creationId xmlns:p14="http://schemas.microsoft.com/office/powerpoint/2010/main" val="2101425401"/>
+      </p:ext>
+    </p:extLst>
+  </p:cSld>
+  <p:clrMapOvr>
+    <a:masterClrMapping/>
+  </p:clrMapOvr>
+  <p:timing>
+    <p:tnLst>
+      <p:par>
+        <p:cTn id="1" dur="indefinite" restart="never" nodeType="tmRoot"/>
+      </p:par>
+    </p:tnLst>
+  </p:timing>
+</p:sld>
+</file>
+
+<file path=ppt/slides/slide4.xml><?xml version="1.0" encoding="utf-8"?>
+<p:sld xmlns:a="http://schemas.openxmlformats.org/drawingml/2006/main" xmlns:r="http://schemas.openxmlformats.org/officeDocument/2006/relationships" xmlns:p="http://schemas.openxmlformats.org/presentationml/2006/main">
+  <p:cSld>
+    <p:spTree>
+      <p:nvGrpSpPr>
+        <p:cNvPr id="1" name=""/>
+        <p:cNvGrpSpPr/>
+        <p:nvPr/>
+      </p:nvGrpSpPr>
+      <p:grpSpPr>
+        <a:xfrm>
+          <a:off x="0" y="0"/>
+          <a:ext cx="0" cy="0"/>
+          <a:chOff x="0" y="0"/>
+          <a:chExt cx="0" cy="0"/>
+        </a:xfrm>
+      </p:grpSpPr>
+      <p:sp>
+        <p:nvSpPr>
+          <p:cNvPr id="39" name="모서리가 둥근 직사각형 38"/>
           <p:cNvSpPr/>
           <p:nvPr/>
         </p:nvSpPr>
         <p:spPr>
           <a:xfrm>
-            <a:off x="248014" y="3965867"/>
-            <a:ext cx="2432841" cy="1475507"/>
+            <a:off x="450099" y="1773382"/>
+            <a:ext cx="7821065" cy="4305299"/>
+          </a:xfrm>
+          <a:prstGeom prst="roundRect">
+            <a:avLst>
+              <a:gd name="adj" fmla="val 0"/>
+            </a:avLst>
+          </a:prstGeom>
+          <a:solidFill>
+            <a:schemeClr val="accent6">
+              <a:lumMod val="20000"/>
+              <a:lumOff val="80000"/>
+            </a:schemeClr>
+          </a:solidFill>
+          <a:ln w="28575"/>
+        </p:spPr>
+        <p:style>
+          <a:lnRef idx="2">
+            <a:schemeClr val="accent6">
+              <a:shade val="50000"/>
+            </a:schemeClr>
+          </a:lnRef>
+          <a:fillRef idx="1">
+            <a:schemeClr val="accent6"/>
+          </a:fillRef>
+          <a:effectRef idx="0">
+            <a:schemeClr val="accent6"/>
+          </a:effectRef>
+          <a:fontRef idx="minor">
+            <a:schemeClr val="lt1"/>
+          </a:fontRef>
+        </p:style>
+        <p:txBody>
+          <a:bodyPr rtlCol="0" anchor="t"/>
+          <a:lstStyle/>
+          <a:p>
+            <a:endParaRPr lang="ko-KR" altLang="en-US" sz="1200" dirty="0">
+              <a:solidFill>
+                <a:schemeClr val="tx1"/>
+              </a:solidFill>
+            </a:endParaRPr>
+          </a:p>
+        </p:txBody>
+      </p:sp>
+      <p:sp>
+        <p:nvSpPr>
+          <p:cNvPr id="43" name="모서리가 둥근 직사각형 42"/>
+          <p:cNvSpPr/>
+          <p:nvPr/>
+        </p:nvSpPr>
+        <p:spPr>
+          <a:xfrm>
+            <a:off x="450099" y="1326573"/>
+            <a:ext cx="2739735" cy="432397"/>
+          </a:xfrm>
+          <a:prstGeom prst="roundRect">
+            <a:avLst/>
+          </a:prstGeom>
+          <a:ln w="28575"/>
+        </p:spPr>
+        <p:style>
+          <a:lnRef idx="2">
+            <a:schemeClr val="accent6">
+              <a:shade val="50000"/>
+            </a:schemeClr>
+          </a:lnRef>
+          <a:fillRef idx="1">
+            <a:schemeClr val="accent6"/>
+          </a:fillRef>
+          <a:effectRef idx="0">
+            <a:schemeClr val="accent6"/>
+          </a:effectRef>
+          <a:fontRef idx="minor">
+            <a:schemeClr val="lt1"/>
+          </a:fontRef>
+        </p:style>
+        <p:txBody>
+          <a:bodyPr rtlCol="0" anchor="ctr"/>
+          <a:lstStyle/>
+          <a:p>
+            <a:pPr algn="ctr"/>
+            <a:r>
+              <a:rPr lang="en-US" altLang="ko-KR" sz="1600" dirty="0" smtClean="0">
+                <a:solidFill>
+                  <a:schemeClr val="tx1"/>
+                </a:solidFill>
+              </a:rPr>
+              <a:t>Playground Layout</a:t>
+            </a:r>
+            <a:endParaRPr lang="en-US" altLang="ko-KR" sz="1600" dirty="0">
+              <a:solidFill>
+                <a:schemeClr val="tx1"/>
+              </a:solidFill>
+            </a:endParaRPr>
+          </a:p>
+        </p:txBody>
+      </p:sp>
+      <p:sp>
+        <p:nvSpPr>
+          <p:cNvPr id="2" name="TextBox 1"/>
+          <p:cNvSpPr txBox="1"/>
+          <p:nvPr/>
+        </p:nvSpPr>
+        <p:spPr>
+          <a:xfrm>
+            <a:off x="491664" y="363681"/>
+            <a:ext cx="9379700" cy="584775"/>
+          </a:xfrm>
+          <a:prstGeom prst="rect">
+            <a:avLst/>
+          </a:prstGeom>
+        </p:spPr>
+        <p:style>
+          <a:lnRef idx="0">
+            <a:schemeClr val="accent6"/>
+          </a:lnRef>
+          <a:fillRef idx="3">
+            <a:schemeClr val="accent6"/>
+          </a:fillRef>
+          <a:effectRef idx="3">
+            <a:schemeClr val="accent6"/>
+          </a:effectRef>
+          <a:fontRef idx="minor">
+            <a:schemeClr val="lt1"/>
+          </a:fontRef>
+        </p:style>
+        <p:txBody>
+          <a:bodyPr wrap="square" rtlCol="0">
+            <a:spAutoFit/>
+          </a:bodyPr>
+          <a:lstStyle/>
+          <a:p>
+            <a:r>
+              <a:rPr lang="en-US" altLang="ko-KR" sz="3200" b="1" dirty="0" err="1" smtClean="0"/>
+              <a:t>CoRoBo</a:t>
+            </a:r>
+            <a:r>
+              <a:rPr lang="en-US" altLang="ko-KR" sz="3200" b="1" dirty="0" smtClean="0"/>
+              <a:t> Playground</a:t>
+            </a:r>
+            <a:endParaRPr lang="ko-KR" altLang="en-US" sz="3200" b="1" dirty="0"/>
+          </a:p>
+        </p:txBody>
+      </p:sp>
+      <p:sp>
+        <p:nvSpPr>
+          <p:cNvPr id="29" name="모서리가 둥근 직사각형 28"/>
+          <p:cNvSpPr/>
+          <p:nvPr/>
+        </p:nvSpPr>
+        <p:spPr>
+          <a:xfrm>
+            <a:off x="8947824" y="1340986"/>
+            <a:ext cx="2739735" cy="432397"/>
+          </a:xfrm>
+          <a:prstGeom prst="roundRect">
+            <a:avLst/>
+          </a:prstGeom>
+          <a:ln w="28575"/>
+        </p:spPr>
+        <p:style>
+          <a:lnRef idx="2">
+            <a:schemeClr val="accent6">
+              <a:shade val="50000"/>
+            </a:schemeClr>
+          </a:lnRef>
+          <a:fillRef idx="1">
+            <a:schemeClr val="accent6"/>
+          </a:fillRef>
+          <a:effectRef idx="0">
+            <a:schemeClr val="accent6"/>
+          </a:effectRef>
+          <a:fontRef idx="minor">
+            <a:schemeClr val="lt1"/>
+          </a:fontRef>
+        </p:style>
+        <p:txBody>
+          <a:bodyPr rtlCol="0" anchor="ctr"/>
+          <a:lstStyle/>
+          <a:p>
+            <a:pPr algn="ctr"/>
+            <a:r>
+              <a:rPr lang="ko-KR" altLang="en-US" sz="1600" dirty="0" smtClean="0">
+                <a:solidFill>
+                  <a:schemeClr val="tx1"/>
+                </a:solidFill>
+              </a:rPr>
+              <a:t>작업 절차</a:t>
+            </a:r>
+            <a:endParaRPr lang="ko-KR" altLang="en-US" sz="1600" dirty="0">
+              <a:solidFill>
+                <a:schemeClr val="tx1"/>
+              </a:solidFill>
+            </a:endParaRPr>
+          </a:p>
+        </p:txBody>
+      </p:sp>
+      <p:sp>
+        <p:nvSpPr>
+          <p:cNvPr id="35" name="모서리가 둥근 직사각형 34"/>
+          <p:cNvSpPr/>
+          <p:nvPr/>
+        </p:nvSpPr>
+        <p:spPr>
+          <a:xfrm>
+            <a:off x="8654144" y="1758970"/>
+            <a:ext cx="3374570" cy="2393372"/>
           </a:xfrm>
           <a:prstGeom prst="roundRect">
             <a:avLst/>
@@ -7326,85 +7228,139 @@
           </a:fontRef>
         </p:style>
         <p:txBody>
-          <a:bodyPr rtlCol="0" anchor="ctr"/>
-          <a:lstStyle/>
-          <a:p>
-            <a:pPr marL="285750" indent="-285750">
-              <a:buFont typeface="Arial" panose="020B0604020202020204" pitchFamily="34" charset="0"/>
-              <a:buChar char="•"/>
+          <a:bodyPr rtlCol="0" anchor="t"/>
+          <a:lstStyle/>
+          <a:p>
+            <a:pPr marL="228600" indent="-228600">
+              <a:buFont typeface="+mj-lt"/>
+              <a:buAutoNum type="arabicPeriod"/>
             </a:pPr>
             <a:r>
-              <a:rPr lang="ko-KR" altLang="en-US" sz="1500" dirty="0" smtClean="0">
-                <a:solidFill>
-                  <a:schemeClr val="tx1"/>
-                </a:solidFill>
-              </a:rPr>
-              <a:t>미션 실행</a:t>
-            </a:r>
-            <a:r>
-              <a:rPr lang="en-US" altLang="ko-KR" sz="1500" dirty="0" smtClean="0">
-                <a:solidFill>
-                  <a:schemeClr val="tx1"/>
-                </a:solidFill>
-              </a:rPr>
-              <a:t>/</a:t>
-            </a:r>
-            <a:r>
-              <a:rPr lang="ko-KR" altLang="en-US" sz="1500" dirty="0" smtClean="0">
-                <a:solidFill>
-                  <a:schemeClr val="tx1"/>
-                </a:solidFill>
-              </a:rPr>
-              <a:t>중지</a:t>
-            </a:r>
-            <a:endParaRPr lang="en-US" altLang="ko-KR" sz="1500" dirty="0" smtClean="0">
+              <a:rPr lang="ko-KR" altLang="en-US" sz="1400" dirty="0" smtClean="0">
+                <a:solidFill>
+                  <a:schemeClr val="tx1"/>
+                </a:solidFill>
+              </a:rPr>
+              <a:t>운동장 지도작성 </a:t>
+            </a:r>
+            <a:r>
+              <a:rPr lang="en-US" altLang="ko-KR" sz="1400" dirty="0" err="1" smtClean="0">
+                <a:solidFill>
+                  <a:schemeClr val="tx1"/>
+                </a:solidFill>
+              </a:rPr>
+              <a:t>RoBoM</a:t>
+            </a:r>
+            <a:endParaRPr lang="en-US" altLang="ko-KR" sz="1400" dirty="0" smtClean="0">
               <a:solidFill>
                 <a:schemeClr val="tx1"/>
               </a:solidFill>
             </a:endParaRPr>
           </a:p>
           <a:p>
-            <a:pPr marL="285750" indent="-285750">
-              <a:buFont typeface="Arial" panose="020B0604020202020204" pitchFamily="34" charset="0"/>
-              <a:buChar char="•"/>
+            <a:pPr marL="228600" indent="-228600">
+              <a:buFont typeface="+mj-lt"/>
+              <a:buAutoNum type="arabicPeriod"/>
             </a:pPr>
             <a:r>
-              <a:rPr lang="ko-KR" altLang="en-US" sz="1500" dirty="0" smtClean="0">
-                <a:solidFill>
-                  <a:schemeClr val="tx1"/>
-                </a:solidFill>
-              </a:rPr>
-              <a:t>서비스 </a:t>
-            </a:r>
-            <a:r>
-              <a:rPr lang="ko-KR" altLang="en-US" sz="1500" dirty="0" err="1" smtClean="0">
-                <a:solidFill>
-                  <a:schemeClr val="tx1"/>
-                </a:solidFill>
-              </a:rPr>
-              <a:t>정보등록</a:t>
-            </a:r>
-            <a:endParaRPr lang="en-US" altLang="ko-KR" sz="1500" dirty="0" smtClean="0">
+              <a:rPr lang="ko-KR" altLang="en-US" sz="1400" dirty="0" err="1" smtClean="0">
+                <a:solidFill>
+                  <a:schemeClr val="tx1"/>
+                </a:solidFill>
+              </a:rPr>
+              <a:t>작업대상</a:t>
+            </a:r>
+            <a:r>
+              <a:rPr lang="ko-KR" altLang="en-US" sz="1400" dirty="0" smtClean="0">
+                <a:solidFill>
+                  <a:schemeClr val="tx1"/>
+                </a:solidFill>
+              </a:rPr>
+              <a:t> 탐색 </a:t>
+            </a:r>
+            <a:r>
+              <a:rPr lang="en-US" altLang="ko-KR" sz="1400" dirty="0" err="1" smtClean="0">
+                <a:solidFill>
+                  <a:schemeClr val="tx1"/>
+                </a:solidFill>
+              </a:rPr>
+              <a:t>RoBoM</a:t>
+            </a:r>
+            <a:endParaRPr lang="en-US" altLang="ko-KR" sz="1400" dirty="0" smtClean="0">
               <a:solidFill>
                 <a:schemeClr val="tx1"/>
               </a:solidFill>
             </a:endParaRPr>
           </a:p>
           <a:p>
-            <a:pPr marL="285750" indent="-285750">
-              <a:buFont typeface="Arial" panose="020B0604020202020204" pitchFamily="34" charset="0"/>
-              <a:buChar char="•"/>
+            <a:pPr marL="228600" indent="-228600">
+              <a:buFont typeface="+mj-lt"/>
+              <a:buAutoNum type="arabicPeriod"/>
             </a:pPr>
             <a:r>
-              <a:rPr lang="ko-KR" altLang="en-US" sz="1500" dirty="0" err="1" smtClean="0">
-                <a:solidFill>
-                  <a:schemeClr val="tx1"/>
-                </a:solidFill>
-              </a:rPr>
-              <a:t>파라메터</a:t>
-            </a:r>
-            <a:r>
-              <a:rPr lang="ko-KR" altLang="en-US" sz="1500" dirty="0" smtClean="0">
+              <a:rPr lang="ko-KR" altLang="en-US" sz="1400" dirty="0" smtClean="0">
+                <a:solidFill>
+                  <a:schemeClr val="tx1"/>
+                </a:solidFill>
+              </a:rPr>
+              <a:t>작업대상으로 이동 경로 탐색 및 이동</a:t>
+            </a:r>
+            <a:r>
+              <a:rPr lang="en-US" altLang="ko-KR" sz="1400" dirty="0" smtClean="0">
+                <a:solidFill>
+                  <a:schemeClr val="tx1"/>
+                </a:solidFill>
+              </a:rPr>
+              <a:t>(</a:t>
+            </a:r>
+            <a:r>
+              <a:rPr lang="en-US" altLang="ko-KR" sz="1400" dirty="0" err="1" smtClean="0">
+                <a:solidFill>
+                  <a:schemeClr val="tx1"/>
+                </a:solidFill>
+              </a:rPr>
+              <a:t>RoBoM</a:t>
+            </a:r>
+            <a:r>
+              <a:rPr lang="en-US" altLang="ko-KR" sz="1400" dirty="0" smtClean="0">
+                <a:solidFill>
+                  <a:schemeClr val="tx1"/>
+                </a:solidFill>
+              </a:rPr>
+              <a:t>/</a:t>
+            </a:r>
+            <a:r>
+              <a:rPr lang="en-US" altLang="ko-KR" sz="1400" dirty="0" err="1" smtClean="0">
+                <a:solidFill>
+                  <a:schemeClr val="tx1"/>
+                </a:solidFill>
+              </a:rPr>
+              <a:t>RoBoS</a:t>
+            </a:r>
+            <a:r>
+              <a:rPr lang="en-US" altLang="ko-KR" sz="1400" dirty="0" smtClean="0">
+                <a:solidFill>
+                  <a:schemeClr val="tx1"/>
+                </a:solidFill>
+              </a:rPr>
+              <a:t>)</a:t>
+            </a:r>
+          </a:p>
+          <a:p>
+            <a:pPr marL="228600" indent="-228600">
+              <a:buFont typeface="+mj-lt"/>
+              <a:buAutoNum type="arabicPeriod"/>
+            </a:pPr>
+            <a:r>
+              <a:rPr lang="ko-KR" altLang="en-US" sz="1400" dirty="0" err="1" smtClean="0">
+                <a:solidFill>
+                  <a:schemeClr val="tx1"/>
+                </a:solidFill>
+              </a:rPr>
+              <a:t>작업대상</a:t>
+            </a:r>
+            <a:r>
+              <a:rPr lang="ko-KR" altLang="en-US" sz="1400" dirty="0" smtClean="0">
                 <a:solidFill>
                   <a:schemeClr val="tx1"/>
                 </a:solidFill>
@@ -7412,121 +7368,644 @@
               <a:t> </a:t>
             </a:r>
             <a:r>
-              <a:rPr lang="ko-KR" altLang="en-US" sz="1500" dirty="0" err="1" smtClean="0">
-                <a:solidFill>
-                  <a:schemeClr val="tx1"/>
-                </a:solidFill>
-              </a:rPr>
-              <a:t>정보등록</a:t>
-            </a:r>
-            <a:r>
-              <a:rPr lang="ko-KR" altLang="en-US" sz="1500" dirty="0" smtClean="0">
-                <a:solidFill>
-                  <a:schemeClr val="tx1"/>
-                </a:solidFill>
-              </a:rPr>
-              <a:t>  </a:t>
-            </a:r>
-            <a:endParaRPr lang="ko-KR" altLang="en-US" sz="1500" dirty="0">
+              <a:rPr lang="ko-KR" altLang="en-US" sz="1400" dirty="0" err="1" smtClean="0">
+                <a:solidFill>
+                  <a:schemeClr val="tx1"/>
+                </a:solidFill>
+              </a:rPr>
+              <a:t>리프팅</a:t>
+            </a:r>
+            <a:r>
+              <a:rPr lang="en-US" altLang="ko-KR" sz="1400" dirty="0" smtClean="0">
+                <a:solidFill>
+                  <a:schemeClr val="tx1"/>
+                </a:solidFill>
+              </a:rPr>
+              <a:t>(</a:t>
+            </a:r>
+            <a:r>
+              <a:rPr lang="en-US" altLang="ko-KR" sz="1400" dirty="0" err="1">
+                <a:solidFill>
+                  <a:schemeClr val="tx1"/>
+                </a:solidFill>
+              </a:rPr>
+              <a:t>RoBoM</a:t>
+            </a:r>
+            <a:r>
+              <a:rPr lang="en-US" altLang="ko-KR" sz="1400" dirty="0">
+                <a:solidFill>
+                  <a:schemeClr val="tx1"/>
+                </a:solidFill>
+              </a:rPr>
+              <a:t>/</a:t>
+            </a:r>
+            <a:r>
+              <a:rPr lang="en-US" altLang="ko-KR" sz="1400" dirty="0" err="1">
+                <a:solidFill>
+                  <a:schemeClr val="tx1"/>
+                </a:solidFill>
+              </a:rPr>
+              <a:t>RoBoS</a:t>
+            </a:r>
+            <a:r>
+              <a:rPr lang="en-US" altLang="ko-KR" sz="1400" dirty="0">
+                <a:solidFill>
+                  <a:schemeClr val="tx1"/>
+                </a:solidFill>
+              </a:rPr>
+              <a:t>)</a:t>
+            </a:r>
+          </a:p>
+          <a:p>
+            <a:pPr marL="228600" indent="-228600">
+              <a:buFont typeface="+mj-lt"/>
+              <a:buAutoNum type="arabicPeriod"/>
+            </a:pPr>
+            <a:r>
+              <a:rPr lang="ko-KR" altLang="en-US" sz="1400" dirty="0" err="1" smtClean="0">
+                <a:solidFill>
+                  <a:schemeClr val="tx1"/>
+                </a:solidFill>
+              </a:rPr>
+              <a:t>적재장</a:t>
+            </a:r>
+            <a:r>
+              <a:rPr lang="ko-KR" altLang="en-US" sz="1400" dirty="0" smtClean="0">
+                <a:solidFill>
+                  <a:schemeClr val="tx1"/>
+                </a:solidFill>
+              </a:rPr>
+              <a:t> 이동 경로 탐색 및 이동</a:t>
+            </a:r>
+            <a:r>
+              <a:rPr lang="en-US" altLang="ko-KR" sz="1400" dirty="0" smtClean="0">
+                <a:solidFill>
+                  <a:schemeClr val="tx1"/>
+                </a:solidFill>
+              </a:rPr>
+              <a:t>(</a:t>
+            </a:r>
+            <a:r>
+              <a:rPr lang="en-US" altLang="ko-KR" sz="1400" dirty="0" err="1" smtClean="0">
+                <a:solidFill>
+                  <a:schemeClr val="tx1"/>
+                </a:solidFill>
+              </a:rPr>
+              <a:t>RoBoMS</a:t>
+            </a:r>
+            <a:r>
+              <a:rPr lang="en-US" altLang="ko-KR" sz="1400" dirty="0" smtClean="0">
+                <a:solidFill>
+                  <a:schemeClr val="tx1"/>
+                </a:solidFill>
+              </a:rPr>
+              <a:t>)</a:t>
+            </a:r>
+            <a:r>
+              <a:rPr lang="ko-KR" altLang="en-US" sz="1400" dirty="0" smtClean="0">
+                <a:solidFill>
+                  <a:schemeClr val="tx1"/>
+                </a:solidFill>
+              </a:rPr>
+              <a:t> </a:t>
+            </a:r>
+            <a:endParaRPr lang="en-US" altLang="ko-KR" sz="1400" dirty="0" smtClean="0">
               <a:solidFill>
                 <a:schemeClr val="tx1"/>
               </a:solidFill>
             </a:endParaRPr>
           </a:p>
-        </p:txBody>
-      </p:sp>
-      <p:sp>
-        <p:nvSpPr>
-          <p:cNvPr id="57" name="모서리가 둥근 직사각형 56"/>
+          <a:p>
+            <a:pPr marL="228600" indent="-228600">
+              <a:buFont typeface="+mj-lt"/>
+              <a:buAutoNum type="arabicPeriod"/>
+            </a:pPr>
+            <a:r>
+              <a:rPr lang="ko-KR" altLang="en-US" sz="1400" dirty="0" err="1" smtClean="0">
+                <a:solidFill>
+                  <a:schemeClr val="tx1"/>
+                </a:solidFill>
+              </a:rPr>
+              <a:t>작업대상</a:t>
+            </a:r>
+            <a:r>
+              <a:rPr lang="ko-KR" altLang="en-US" sz="1400" dirty="0" smtClean="0">
+                <a:solidFill>
+                  <a:schemeClr val="tx1"/>
+                </a:solidFill>
+              </a:rPr>
+              <a:t> 거치 </a:t>
+            </a:r>
+            <a:endParaRPr lang="en-US" altLang="ko-KR" sz="1400" dirty="0" smtClean="0">
+              <a:solidFill>
+                <a:schemeClr val="tx1"/>
+              </a:solidFill>
+            </a:endParaRPr>
+          </a:p>
+          <a:p>
+            <a:pPr marL="228600" indent="-228600">
+              <a:buFont typeface="+mj-lt"/>
+              <a:buAutoNum type="arabicPeriod"/>
+            </a:pPr>
+            <a:r>
+              <a:rPr lang="ko-KR" altLang="en-US" sz="1400" dirty="0" smtClean="0">
+                <a:solidFill>
+                  <a:schemeClr val="tx1"/>
+                </a:solidFill>
+              </a:rPr>
+              <a:t>로봇스테이션으로 이동  </a:t>
+            </a:r>
+            <a:endParaRPr lang="en-US" altLang="ko-KR" sz="1400" dirty="0" smtClean="0">
+              <a:solidFill>
+                <a:schemeClr val="tx1"/>
+              </a:solidFill>
+            </a:endParaRPr>
+          </a:p>
+          <a:p>
+            <a:pPr marL="228600" indent="-228600">
+              <a:buFont typeface="+mj-lt"/>
+              <a:buAutoNum type="arabicPeriod"/>
+            </a:pPr>
+            <a:endParaRPr lang="ko-KR" altLang="en-US" sz="1400" dirty="0">
+              <a:solidFill>
+                <a:schemeClr val="tx1"/>
+              </a:solidFill>
+            </a:endParaRPr>
+          </a:p>
+        </p:txBody>
+      </p:sp>
+      <p:sp>
+        <p:nvSpPr>
+          <p:cNvPr id="4" name="직사각형 3"/>
           <p:cNvSpPr/>
           <p:nvPr/>
         </p:nvSpPr>
         <p:spPr>
           <a:xfrm>
-            <a:off x="248016" y="3519057"/>
-            <a:ext cx="2175802" cy="432397"/>
+            <a:off x="3300758" y="3228420"/>
+            <a:ext cx="1059872" cy="2845623"/>
           </a:xfrm>
-          <a:prstGeom prst="roundRect">
+          <a:prstGeom prst="rect">
             <a:avLst/>
           </a:prstGeom>
+          <a:solidFill>
+            <a:schemeClr val="bg2">
+              <a:lumMod val="75000"/>
+            </a:schemeClr>
+          </a:solidFill>
           <a:ln w="28575"/>
         </p:spPr>
         <p:style>
           <a:lnRef idx="2">
-            <a:schemeClr val="accent6">
+            <a:schemeClr val="accent1">
               <a:shade val="50000"/>
             </a:schemeClr>
           </a:lnRef>
           <a:fillRef idx="1">
-            <a:schemeClr val="accent6"/>
-          </a:fillRef>
-          <a:effectRef idx="0">
-            <a:schemeClr val="accent6"/>
-          </a:effectRef>
-          <a:fontRef idx="minor">
-            <a:schemeClr val="lt1"/>
-          </a:fontRef>
-        </p:style>
-        <p:txBody>
-          <a:bodyPr rtlCol="0" anchor="ctr"/>
-          <a:lstStyle/>
-          <a:p>
-            <a:pPr algn="ctr"/>
-            <a:r>
-              <a:rPr lang="ko-KR" altLang="en-US" dirty="0" err="1" smtClean="0"/>
-              <a:t>웹브라우저</a:t>
-            </a:r>
-            <a:endParaRPr lang="ko-KR" altLang="en-US" dirty="0"/>
-          </a:p>
-        </p:txBody>
-      </p:sp>
-      <p:cxnSp>
-        <p:nvCxnSpPr>
-          <p:cNvPr id="58" name="꺾인 연결선 57"/>
-          <p:cNvCxnSpPr>
-            <a:stCxn id="32" idx="1"/>
-            <a:endCxn id="57" idx="0"/>
-          </p:cNvCxnSpPr>
-          <p:nvPr/>
-        </p:nvCxnSpPr>
-        <p:spPr>
-          <a:xfrm rot="10800000" flipV="1">
-            <a:off x="1335917" y="2488625"/>
-            <a:ext cx="780538" cy="1030432"/>
-          </a:xfrm>
-          <a:prstGeom prst="bentConnector2">
-            <a:avLst/>
-          </a:prstGeom>
-          <a:ln w="38100">
-            <a:headEnd type="triangle" w="med" len="med"/>
-            <a:tailEnd type="triangle" w="med" len="med"/>
-          </a:ln>
-        </p:spPr>
-        <p:style>
-          <a:lnRef idx="1">
-            <a:schemeClr val="accent1"/>
-          </a:lnRef>
-          <a:fillRef idx="0">
             <a:schemeClr val="accent1"/>
           </a:fillRef>
           <a:effectRef idx="0">
             <a:schemeClr val="accent1"/>
           </a:effectRef>
           <a:fontRef idx="minor">
-            <a:schemeClr val="tx1"/>
+            <a:schemeClr val="lt1"/>
           </a:fontRef>
         </p:style>
-      </p:cxnSp>
-      <p:sp>
-        <p:nvSpPr>
-          <p:cNvPr id="61" name="TextBox 60"/>
+        <p:txBody>
+          <a:bodyPr rtlCol="0" anchor="ctr"/>
+          <a:lstStyle/>
+          <a:p>
+            <a:pPr algn="ctr"/>
+            <a:r>
+              <a:rPr lang="ko-KR" altLang="en-US" dirty="0" smtClean="0"/>
+              <a:t>장애물</a:t>
+            </a:r>
+            <a:endParaRPr lang="ko-KR" altLang="en-US" dirty="0"/>
+          </a:p>
+        </p:txBody>
+      </p:sp>
+      <p:sp>
+        <p:nvSpPr>
+          <p:cNvPr id="17" name="직사각형 16"/>
+          <p:cNvSpPr/>
+          <p:nvPr/>
+        </p:nvSpPr>
+        <p:spPr>
+          <a:xfrm>
+            <a:off x="5859676" y="4655868"/>
+            <a:ext cx="978630" cy="298901"/>
+          </a:xfrm>
+          <a:prstGeom prst="rect">
+            <a:avLst/>
+          </a:prstGeom>
+          <a:solidFill>
+            <a:schemeClr val="accent2">
+              <a:lumMod val="60000"/>
+              <a:lumOff val="40000"/>
+            </a:schemeClr>
+          </a:solidFill>
+          <a:ln w="28575"/>
+        </p:spPr>
+        <p:style>
+          <a:lnRef idx="2">
+            <a:schemeClr val="accent1">
+              <a:shade val="50000"/>
+            </a:schemeClr>
+          </a:lnRef>
+          <a:fillRef idx="1">
+            <a:schemeClr val="accent1"/>
+          </a:fillRef>
+          <a:effectRef idx="0">
+            <a:schemeClr val="accent1"/>
+          </a:effectRef>
+          <a:fontRef idx="minor">
+            <a:schemeClr val="lt1"/>
+          </a:fontRef>
+        </p:style>
+        <p:txBody>
+          <a:bodyPr rtlCol="0" anchor="ctr"/>
+          <a:lstStyle/>
+          <a:p>
+            <a:pPr algn="ctr"/>
+            <a:r>
+              <a:rPr lang="ko-KR" altLang="en-US" sz="1400" dirty="0" err="1" smtClean="0"/>
+              <a:t>작업대상</a:t>
+            </a:r>
+            <a:endParaRPr lang="ko-KR" altLang="en-US" sz="1400" dirty="0"/>
+          </a:p>
+        </p:txBody>
+      </p:sp>
+      <p:sp>
+        <p:nvSpPr>
+          <p:cNvPr id="18" name="직사각형 17"/>
+          <p:cNvSpPr/>
+          <p:nvPr/>
+        </p:nvSpPr>
+        <p:spPr>
+          <a:xfrm>
+            <a:off x="450097" y="4069481"/>
+            <a:ext cx="1059872" cy="665018"/>
+          </a:xfrm>
+          <a:prstGeom prst="rect">
+            <a:avLst/>
+          </a:prstGeom>
+          <a:solidFill>
+            <a:srgbClr val="00B050"/>
+          </a:solidFill>
+          <a:ln w="28575"/>
+        </p:spPr>
+        <p:style>
+          <a:lnRef idx="2">
+            <a:schemeClr val="accent1">
+              <a:shade val="50000"/>
+            </a:schemeClr>
+          </a:lnRef>
+          <a:fillRef idx="1">
+            <a:schemeClr val="accent1"/>
+          </a:fillRef>
+          <a:effectRef idx="0">
+            <a:schemeClr val="accent1"/>
+          </a:effectRef>
+          <a:fontRef idx="minor">
+            <a:schemeClr val="lt1"/>
+          </a:fontRef>
+        </p:style>
+        <p:txBody>
+          <a:bodyPr rtlCol="0" anchor="ctr"/>
+          <a:lstStyle/>
+          <a:p>
+            <a:pPr algn="ctr"/>
+            <a:r>
+              <a:rPr lang="ko-KR" altLang="en-US" dirty="0" err="1" smtClean="0"/>
+              <a:t>적재장</a:t>
+            </a:r>
+            <a:endParaRPr lang="ko-KR" altLang="en-US" dirty="0"/>
+          </a:p>
+        </p:txBody>
+      </p:sp>
+      <p:grpSp>
+        <p:nvGrpSpPr>
+          <p:cNvPr id="8" name="그룹 7"/>
+          <p:cNvGrpSpPr/>
+          <p:nvPr/>
+        </p:nvGrpSpPr>
+        <p:grpSpPr>
+          <a:xfrm flipH="1">
+            <a:off x="5310390" y="4331400"/>
+            <a:ext cx="547923" cy="849278"/>
+            <a:chOff x="6121643" y="3548957"/>
+            <a:chExt cx="547923" cy="849278"/>
+          </a:xfrm>
+        </p:grpSpPr>
+        <p:pic>
+          <p:nvPicPr>
+            <p:cNvPr id="5" name="그림 4"/>
+            <p:cNvPicPr>
+              <a:picLocks noChangeAspect="1"/>
+            </p:cNvPicPr>
+            <p:nvPr/>
+          </p:nvPicPr>
+          <p:blipFill>
+            <a:blip r:embed="rId2"/>
+            <a:stretch>
+              <a:fillRect/>
+            </a:stretch>
+          </p:blipFill>
+          <p:spPr>
+            <a:xfrm>
+              <a:off x="6121643" y="3740727"/>
+              <a:ext cx="547923" cy="657508"/>
+            </a:xfrm>
+            <a:prstGeom prst="rect">
+              <a:avLst/>
+            </a:prstGeom>
+          </p:spPr>
+        </p:pic>
+        <p:sp>
+          <p:nvSpPr>
+            <p:cNvPr id="6" name="직사각형 5"/>
+            <p:cNvSpPr/>
+            <p:nvPr/>
+          </p:nvSpPr>
+          <p:spPr>
+            <a:xfrm>
+              <a:off x="6121643" y="3548957"/>
+              <a:ext cx="547923" cy="191769"/>
+            </a:xfrm>
+            <a:prstGeom prst="rect">
+              <a:avLst/>
+            </a:prstGeom>
+            <a:solidFill>
+              <a:schemeClr val="bg1"/>
+            </a:solidFill>
+            <a:ln>
+              <a:noFill/>
+            </a:ln>
+          </p:spPr>
+          <p:style>
+            <a:lnRef idx="2">
+              <a:schemeClr val="accent1">
+                <a:shade val="50000"/>
+              </a:schemeClr>
+            </a:lnRef>
+            <a:fillRef idx="1">
+              <a:schemeClr val="accent1"/>
+            </a:fillRef>
+            <a:effectRef idx="0">
+              <a:schemeClr val="accent1"/>
+            </a:effectRef>
+            <a:fontRef idx="minor">
+              <a:schemeClr val="lt1"/>
+            </a:fontRef>
+          </p:style>
+          <p:txBody>
+            <a:bodyPr lIns="0" rIns="0" rtlCol="0" anchor="ctr"/>
+            <a:lstStyle/>
+            <a:p>
+              <a:pPr algn="ctr"/>
+              <a:r>
+                <a:rPr lang="en-US" altLang="ko-KR" sz="1000" dirty="0" err="1" smtClean="0">
+                  <a:solidFill>
+                    <a:schemeClr val="tx1"/>
+                  </a:solidFill>
+                </a:rPr>
+                <a:t>RoBoM</a:t>
+              </a:r>
+              <a:endParaRPr lang="ko-KR" altLang="en-US" sz="1000" dirty="0">
+                <a:solidFill>
+                  <a:schemeClr val="tx1"/>
+                </a:solidFill>
+              </a:endParaRPr>
+            </a:p>
+          </p:txBody>
+        </p:sp>
+      </p:grpSp>
+      <p:grpSp>
+        <p:nvGrpSpPr>
+          <p:cNvPr id="7" name="그룹 6"/>
+          <p:cNvGrpSpPr/>
+          <p:nvPr/>
+        </p:nvGrpSpPr>
+        <p:grpSpPr>
+          <a:xfrm>
+            <a:off x="6838306" y="4331401"/>
+            <a:ext cx="551302" cy="849277"/>
+            <a:chOff x="6855273" y="2877663"/>
+            <a:chExt cx="551302" cy="849277"/>
+          </a:xfrm>
+        </p:grpSpPr>
+        <p:pic>
+          <p:nvPicPr>
+            <p:cNvPr id="19" name="그림 18"/>
+            <p:cNvPicPr>
+              <a:picLocks noChangeAspect="1"/>
+            </p:cNvPicPr>
+            <p:nvPr/>
+          </p:nvPicPr>
+          <p:blipFill>
+            <a:blip r:embed="rId2"/>
+            <a:stretch>
+              <a:fillRect/>
+            </a:stretch>
+          </p:blipFill>
+          <p:spPr>
+            <a:xfrm>
+              <a:off x="6858652" y="3069432"/>
+              <a:ext cx="547923" cy="657508"/>
+            </a:xfrm>
+            <a:prstGeom prst="rect">
+              <a:avLst/>
+            </a:prstGeom>
+          </p:spPr>
+        </p:pic>
+        <p:sp>
+          <p:nvSpPr>
+            <p:cNvPr id="21" name="직사각형 20"/>
+            <p:cNvSpPr/>
+            <p:nvPr/>
+          </p:nvSpPr>
+          <p:spPr>
+            <a:xfrm>
+              <a:off x="6855273" y="2877663"/>
+              <a:ext cx="547923" cy="191769"/>
+            </a:xfrm>
+            <a:prstGeom prst="rect">
+              <a:avLst/>
+            </a:prstGeom>
+            <a:solidFill>
+              <a:schemeClr val="bg1"/>
+            </a:solidFill>
+            <a:ln>
+              <a:noFill/>
+            </a:ln>
+          </p:spPr>
+          <p:style>
+            <a:lnRef idx="2">
+              <a:schemeClr val="accent1">
+                <a:shade val="50000"/>
+              </a:schemeClr>
+            </a:lnRef>
+            <a:fillRef idx="1">
+              <a:schemeClr val="accent1"/>
+            </a:fillRef>
+            <a:effectRef idx="0">
+              <a:schemeClr val="accent1"/>
+            </a:effectRef>
+            <a:fontRef idx="minor">
+              <a:schemeClr val="lt1"/>
+            </a:fontRef>
+          </p:style>
+          <p:txBody>
+            <a:bodyPr lIns="0" rIns="0" rtlCol="0" anchor="ctr"/>
+            <a:lstStyle/>
+            <a:p>
+              <a:pPr algn="ctr"/>
+              <a:r>
+                <a:rPr lang="en-US" altLang="ko-KR" sz="1000" dirty="0" err="1" smtClean="0">
+                  <a:solidFill>
+                    <a:schemeClr val="tx1"/>
+                  </a:solidFill>
+                </a:rPr>
+                <a:t>RoBoS</a:t>
+              </a:r>
+              <a:endParaRPr lang="ko-KR" altLang="en-US" sz="1000" dirty="0">
+                <a:solidFill>
+                  <a:schemeClr val="tx1"/>
+                </a:solidFill>
+              </a:endParaRPr>
+            </a:p>
+          </p:txBody>
+        </p:sp>
+      </p:grpSp>
+      <p:sp>
+        <p:nvSpPr>
+          <p:cNvPr id="25" name="직사각형 24"/>
+          <p:cNvSpPr/>
+          <p:nvPr/>
+        </p:nvSpPr>
+        <p:spPr>
+          <a:xfrm>
+            <a:off x="450097" y="1804578"/>
+            <a:ext cx="1324274" cy="1330508"/>
+          </a:xfrm>
+          <a:prstGeom prst="rect">
+            <a:avLst/>
+          </a:prstGeom>
+          <a:solidFill>
+            <a:schemeClr val="accent1">
+              <a:lumMod val="60000"/>
+              <a:lumOff val="40000"/>
+            </a:schemeClr>
+          </a:solidFill>
+          <a:ln w="28575"/>
+        </p:spPr>
+        <p:style>
+          <a:lnRef idx="2">
+            <a:schemeClr val="accent1">
+              <a:shade val="50000"/>
+            </a:schemeClr>
+          </a:lnRef>
+          <a:fillRef idx="1">
+            <a:schemeClr val="accent1"/>
+          </a:fillRef>
+          <a:effectRef idx="0">
+            <a:schemeClr val="accent1"/>
+          </a:effectRef>
+          <a:fontRef idx="minor">
+            <a:schemeClr val="lt1"/>
+          </a:fontRef>
+        </p:style>
+        <p:txBody>
+          <a:bodyPr rtlCol="0" anchor="ctr"/>
+          <a:lstStyle/>
+          <a:p>
+            <a:pPr algn="ctr"/>
+            <a:r>
+              <a:rPr lang="ko-KR" altLang="en-US" dirty="0" smtClean="0"/>
+              <a:t>로봇</a:t>
+            </a:r>
+            <a:endParaRPr lang="en-US" altLang="ko-KR" dirty="0" smtClean="0"/>
+          </a:p>
+          <a:p>
+            <a:pPr algn="ctr"/>
+            <a:r>
+              <a:rPr lang="ko-KR" altLang="en-US" dirty="0"/>
+              <a:t>스</a:t>
+            </a:r>
+            <a:r>
+              <a:rPr lang="ko-KR" altLang="en-US" dirty="0" smtClean="0"/>
+              <a:t>테이션</a:t>
+            </a:r>
+            <a:endParaRPr lang="ko-KR" altLang="en-US" dirty="0"/>
+          </a:p>
+        </p:txBody>
+      </p:sp>
+      <p:sp>
+        <p:nvSpPr>
+          <p:cNvPr id="9" name="직사각형 8"/>
+          <p:cNvSpPr/>
+          <p:nvPr/>
+        </p:nvSpPr>
+        <p:spPr>
+          <a:xfrm>
+            <a:off x="8947824" y="4585224"/>
+            <a:ext cx="295275" cy="266700"/>
+          </a:xfrm>
+          <a:prstGeom prst="rect">
+            <a:avLst/>
+          </a:prstGeom>
+          <a:solidFill>
+            <a:schemeClr val="accent6">
+              <a:lumMod val="75000"/>
+            </a:schemeClr>
+          </a:solidFill>
+          <a:ln w="9525" cap="flat" cmpd="sng" algn="ctr">
+            <a:solidFill>
+              <a:schemeClr val="dk1"/>
+            </a:solidFill>
+            <a:prstDash val="solid"/>
+            <a:round/>
+            <a:headEnd type="none" w="med" len="med"/>
+            <a:tailEnd type="none" w="med" len="med"/>
+          </a:ln>
+        </p:spPr>
+        <p:style>
+          <a:lnRef idx="0">
+            <a:scrgbClr r="0" g="0" b="0"/>
+          </a:lnRef>
+          <a:fillRef idx="0">
+            <a:scrgbClr r="0" g="0" b="0"/>
+          </a:fillRef>
+          <a:effectRef idx="0">
+            <a:scrgbClr r="0" g="0" b="0"/>
+          </a:effectRef>
+          <a:fontRef idx="minor">
+            <a:schemeClr val="dk1"/>
+          </a:fontRef>
+        </p:style>
+        <p:txBody>
+          <a:bodyPr rtlCol="0" anchor="ctr"/>
+          <a:lstStyle/>
+          <a:p>
+            <a:pPr algn="ctr"/>
+            <a:r>
+              <a:rPr lang="en-US" altLang="ko-KR" dirty="0" smtClean="0"/>
+              <a:t>B</a:t>
+            </a:r>
+            <a:endParaRPr lang="ko-KR" altLang="en-US" dirty="0"/>
+          </a:p>
+        </p:txBody>
+      </p:sp>
+      <p:sp>
+        <p:nvSpPr>
+          <p:cNvPr id="10" name="TextBox 9"/>
           <p:cNvSpPr txBox="1"/>
           <p:nvPr/>
         </p:nvSpPr>
         <p:spPr>
           <a:xfrm>
-            <a:off x="410783" y="2121269"/>
-            <a:ext cx="1802659" cy="307777"/>
+            <a:off x="9277350" y="4547124"/>
+            <a:ext cx="1535826" cy="338554"/>
           </a:xfrm>
           <a:prstGeom prst="rect">
             <a:avLst/>
@@ -7539,65 +8018,130 @@
           </a:bodyPr>
           <a:lstStyle/>
           <a:p>
-            <a:pPr algn="ctr"/>
-            <a:r>
-              <a:rPr lang="en-US" altLang="ko-KR" sz="1400" dirty="0" smtClean="0">
-                <a:solidFill>
-                  <a:srgbClr val="0070C0"/>
-                </a:solidFill>
-              </a:rPr>
-              <a:t>HTTP</a:t>
-            </a:r>
-            <a:endParaRPr lang="ko-KR" altLang="en-US" sz="1400" dirty="0">
-              <a:solidFill>
-                <a:srgbClr val="0070C0"/>
-              </a:solidFill>
-            </a:endParaRPr>
-          </a:p>
-        </p:txBody>
-      </p:sp>
-      <p:cxnSp>
-        <p:nvCxnSpPr>
-          <p:cNvPr id="28" name="꺾인 연결선 27"/>
-          <p:cNvCxnSpPr>
-            <a:stCxn id="4" idx="1"/>
-            <a:endCxn id="40" idx="3"/>
-          </p:cNvCxnSpPr>
+            <a:r>
+              <a:rPr lang="ko-KR" altLang="en-US" sz="1600" dirty="0" smtClean="0"/>
+              <a:t>바코드 위치</a:t>
+            </a:r>
+            <a:endParaRPr lang="ko-KR" altLang="en-US" sz="1600" dirty="0"/>
+          </a:p>
+        </p:txBody>
+      </p:sp>
+      <p:sp>
+        <p:nvSpPr>
+          <p:cNvPr id="27" name="직사각형 26"/>
+          <p:cNvSpPr/>
           <p:nvPr/>
-        </p:nvCxnSpPr>
+        </p:nvSpPr>
         <p:spPr>
-          <a:xfrm rot="10800000" flipV="1">
-            <a:off x="5490685" y="2462645"/>
-            <a:ext cx="473695" cy="2588483"/>
+          <a:xfrm>
+            <a:off x="463471" y="3814075"/>
+            <a:ext cx="295275" cy="266700"/>
           </a:xfrm>
-          <a:prstGeom prst="bentConnector3">
-            <a:avLst>
-              <a:gd name="adj1" fmla="val 50000"/>
-            </a:avLst>
+          <a:prstGeom prst="rect">
+            <a:avLst/>
           </a:prstGeom>
-          <a:ln w="38100">
-            <a:tailEnd type="triangle"/>
+          <a:solidFill>
+            <a:schemeClr val="accent6">
+              <a:lumMod val="75000"/>
+            </a:schemeClr>
+          </a:solidFill>
+          <a:ln w="9525" cap="flat" cmpd="sng" algn="ctr">
+            <a:solidFill>
+              <a:schemeClr val="dk1"/>
+            </a:solidFill>
+            <a:prstDash val="solid"/>
+            <a:round/>
+            <a:headEnd type="none" w="med" len="med"/>
+            <a:tailEnd type="none" w="med" len="med"/>
           </a:ln>
         </p:spPr>
         <p:style>
-          <a:lnRef idx="1">
-            <a:schemeClr val="accent1"/>
+          <a:lnRef idx="0">
+            <a:scrgbClr r="0" g="0" b="0"/>
           </a:lnRef>
           <a:fillRef idx="0">
-            <a:schemeClr val="accent1"/>
+            <a:scrgbClr r="0" g="0" b="0"/>
           </a:fillRef>
           <a:effectRef idx="0">
-            <a:schemeClr val="accent1"/>
+            <a:scrgbClr r="0" g="0" b="0"/>
           </a:effectRef>
           <a:fontRef idx="minor">
-            <a:schemeClr val="tx1"/>
+            <a:schemeClr val="dk1"/>
           </a:fontRef>
         </p:style>
-      </p:cxnSp>
+        <p:txBody>
+          <a:bodyPr rtlCol="0" anchor="ctr"/>
+          <a:lstStyle/>
+          <a:p>
+            <a:pPr algn="ctr"/>
+            <a:r>
+              <a:rPr lang="en-US" altLang="ko-KR" dirty="0" smtClean="0"/>
+              <a:t>B</a:t>
+            </a:r>
+            <a:endParaRPr lang="ko-KR" altLang="en-US" dirty="0"/>
+          </a:p>
+        </p:txBody>
+      </p:sp>
+      <p:sp>
+        <p:nvSpPr>
+          <p:cNvPr id="28" name="직사각형 27"/>
+          <p:cNvSpPr/>
+          <p:nvPr/>
+        </p:nvSpPr>
+        <p:spPr>
+          <a:xfrm>
+            <a:off x="463471" y="1826117"/>
+            <a:ext cx="295275" cy="266700"/>
+          </a:xfrm>
+          <a:prstGeom prst="rect">
+            <a:avLst/>
+          </a:prstGeom>
+          <a:solidFill>
+            <a:schemeClr val="accent6">
+              <a:lumMod val="75000"/>
+            </a:schemeClr>
+          </a:solidFill>
+          <a:ln w="9525" cap="flat" cmpd="sng" algn="ctr">
+            <a:solidFill>
+              <a:schemeClr val="dk1"/>
+            </a:solidFill>
+            <a:prstDash val="solid"/>
+            <a:round/>
+            <a:headEnd type="none" w="med" len="med"/>
+            <a:tailEnd type="none" w="med" len="med"/>
+          </a:ln>
+        </p:spPr>
+        <p:style>
+          <a:lnRef idx="0">
+            <a:scrgbClr r="0" g="0" b="0"/>
+          </a:lnRef>
+          <a:fillRef idx="0">
+            <a:scrgbClr r="0" g="0" b="0"/>
+          </a:fillRef>
+          <a:effectRef idx="0">
+            <a:scrgbClr r="0" g="0" b="0"/>
+          </a:effectRef>
+          <a:fontRef idx="minor">
+            <a:schemeClr val="dk1"/>
+          </a:fontRef>
+        </p:style>
+        <p:txBody>
+          <a:bodyPr rtlCol="0" anchor="ctr"/>
+          <a:lstStyle/>
+          <a:p>
+            <a:pPr algn="ctr"/>
+            <a:r>
+              <a:rPr lang="en-US" altLang="ko-KR" dirty="0" smtClean="0"/>
+              <a:t>B</a:t>
+            </a:r>
+            <a:endParaRPr lang="ko-KR" altLang="en-US" dirty="0"/>
+          </a:p>
+        </p:txBody>
+      </p:sp>
     </p:spTree>
     <p:extLst>
       <p:ext uri="{BB962C8B-B14F-4D97-AF65-F5344CB8AC3E}">
-        <p14:creationId xmlns:p14="http://schemas.microsoft.com/office/powerpoint/2010/main" val="2101425401"/>
+        <p14:creationId xmlns:p14="http://schemas.microsoft.com/office/powerpoint/2010/main" val="61154333"/>
       </p:ext>
     </p:extLst>
   </p:cSld>
